--- a/Notebooks/Nederlands/02 - Objecten datastructuren en operatoren/14 - Opdrachten met oplossingen.pptx
+++ b/Notebooks/Nederlands/02 - Objecten datastructuren en operatoren/14 - Opdrachten met oplossingen.pptx
@@ -204,6 +204,73 @@
     <p:sldId id="452" r:id="rId203"/>
     <p:sldId id="453" r:id="rId204"/>
     <p:sldId id="454" r:id="rId205"/>
+    <p:sldId id="455" r:id="rId206"/>
+    <p:sldId id="456" r:id="rId207"/>
+    <p:sldId id="457" r:id="rId208"/>
+    <p:sldId id="458" r:id="rId209"/>
+    <p:sldId id="459" r:id="rId210"/>
+    <p:sldId id="460" r:id="rId211"/>
+    <p:sldId id="461" r:id="rId212"/>
+    <p:sldId id="462" r:id="rId213"/>
+    <p:sldId id="463" r:id="rId214"/>
+    <p:sldId id="464" r:id="rId215"/>
+    <p:sldId id="465" r:id="rId216"/>
+    <p:sldId id="466" r:id="rId217"/>
+    <p:sldId id="467" r:id="rId218"/>
+    <p:sldId id="468" r:id="rId219"/>
+    <p:sldId id="469" r:id="rId220"/>
+    <p:sldId id="470" r:id="rId221"/>
+    <p:sldId id="471" r:id="rId222"/>
+    <p:sldId id="472" r:id="rId223"/>
+    <p:sldId id="473" r:id="rId224"/>
+    <p:sldId id="474" r:id="rId225"/>
+    <p:sldId id="475" r:id="rId226"/>
+    <p:sldId id="476" r:id="rId227"/>
+    <p:sldId id="477" r:id="rId228"/>
+    <p:sldId id="478" r:id="rId229"/>
+    <p:sldId id="479" r:id="rId230"/>
+    <p:sldId id="480" r:id="rId231"/>
+    <p:sldId id="481" r:id="rId232"/>
+    <p:sldId id="482" r:id="rId233"/>
+    <p:sldId id="483" r:id="rId234"/>
+    <p:sldId id="484" r:id="rId235"/>
+    <p:sldId id="485" r:id="rId236"/>
+    <p:sldId id="486" r:id="rId237"/>
+    <p:sldId id="487" r:id="rId238"/>
+    <p:sldId id="488" r:id="rId239"/>
+    <p:sldId id="489" r:id="rId240"/>
+    <p:sldId id="490" r:id="rId241"/>
+    <p:sldId id="491" r:id="rId242"/>
+    <p:sldId id="492" r:id="rId243"/>
+    <p:sldId id="493" r:id="rId244"/>
+    <p:sldId id="494" r:id="rId245"/>
+    <p:sldId id="495" r:id="rId246"/>
+    <p:sldId id="496" r:id="rId247"/>
+    <p:sldId id="497" r:id="rId248"/>
+    <p:sldId id="498" r:id="rId249"/>
+    <p:sldId id="499" r:id="rId250"/>
+    <p:sldId id="500" r:id="rId251"/>
+    <p:sldId id="501" r:id="rId252"/>
+    <p:sldId id="502" r:id="rId253"/>
+    <p:sldId id="503" r:id="rId254"/>
+    <p:sldId id="504" r:id="rId255"/>
+    <p:sldId id="505" r:id="rId256"/>
+    <p:sldId id="506" r:id="rId257"/>
+    <p:sldId id="507" r:id="rId258"/>
+    <p:sldId id="508" r:id="rId259"/>
+    <p:sldId id="509" r:id="rId260"/>
+    <p:sldId id="510" r:id="rId261"/>
+    <p:sldId id="511" r:id="rId262"/>
+    <p:sldId id="512" r:id="rId263"/>
+    <p:sldId id="513" r:id="rId264"/>
+    <p:sldId id="514" r:id="rId265"/>
+    <p:sldId id="515" r:id="rId266"/>
+    <p:sldId id="516" r:id="rId267"/>
+    <p:sldId id="517" r:id="rId268"/>
+    <p:sldId id="518" r:id="rId269"/>
+    <p:sldId id="519" r:id="rId270"/>
+    <p:sldId id="520" r:id="rId271"/>
+    <p:sldId id="521" r:id="rId272"/>
   </p:sldIdLst>
   <p:sldSz cx="9144000" cy="6858000" type="screen4x3"/>
   <p:notesSz cx="6858000" cy="9144000"/>
@@ -11128,6 +11195,604 @@
 </p:sld>
 </file>
 
+<file path=ppt/slides/slide200.xml><?xml version="1.0" encoding="utf-8"?>
+<p:sld xmlns:a="http://schemas.openxmlformats.org/drawingml/2006/main" xmlns:p="http://schemas.openxmlformats.org/presentationml/2006/main" xmlns:r="http://schemas.openxmlformats.org/officeDocument/2006/relationships">
+  <p:cSld>
+    <p:spTree>
+      <p:nvGrpSpPr>
+        <p:cNvPr id="1" name=""/>
+        <p:cNvGrpSpPr/>
+        <p:nvPr/>
+      </p:nvGrpSpPr>
+      <p:grpSpPr/>
+      <p:pic>
+        <p:nvPicPr>
+          <p:cNvPr id="2" name="Picture 1" descr="image.png"/>
+          <p:cNvPicPr>
+            <a:picLocks noChangeAspect="1"/>
+          </p:cNvPicPr>
+          <p:nvPr/>
+        </p:nvPicPr>
+        <p:blipFill>
+          <a:blip r:embed="rId2"/>
+          <a:stretch>
+            <a:fillRect/>
+          </a:stretch>
+        </p:blipFill>
+        <p:spPr>
+          <a:xfrm>
+            <a:off x="914400" y="914400"/>
+            <a:ext cx="5105400" cy="1346200"/>
+          </a:xfrm>
+          <a:prstGeom prst="rect">
+            <a:avLst/>
+          </a:prstGeom>
+        </p:spPr>
+      </p:pic>
+    </p:spTree>
+  </p:cSld>
+  <p:clrMapOvr>
+    <a:masterClrMapping/>
+  </p:clrMapOvr>
+</p:sld>
+</file>
+
+<file path=ppt/slides/slide201.xml><?xml version="1.0" encoding="utf-8"?>
+<p:sld xmlns:a="http://schemas.openxmlformats.org/drawingml/2006/main" xmlns:p="http://schemas.openxmlformats.org/presentationml/2006/main" xmlns:r="http://schemas.openxmlformats.org/officeDocument/2006/relationships">
+  <p:cSld>
+    <p:spTree>
+      <p:nvGrpSpPr>
+        <p:cNvPr id="1" name=""/>
+        <p:cNvGrpSpPr/>
+        <p:nvPr/>
+      </p:nvGrpSpPr>
+      <p:grpSpPr/>
+      <p:sp>
+        <p:nvSpPr>
+          <p:cNvPr id="2" name="TextBox 1"/>
+          <p:cNvSpPr txBox="1"/>
+          <p:nvPr/>
+        </p:nvSpPr>
+        <p:spPr>
+          <a:xfrm>
+            <a:off x="914400" y="914400"/>
+            <a:ext cx="914400" cy="914400"/>
+          </a:xfrm>
+          <a:prstGeom prst="rect">
+            <a:avLst/>
+          </a:prstGeom>
+          <a:noFill/>
+        </p:spPr>
+        <p:txBody>
+          <a:bodyPr wrap="none">
+            <a:spAutoFit/>
+          </a:bodyPr>
+          <a:lstStyle/>
+          <a:p>
+            <a:r>
+              <a:t>Info:</a:t>
+            </a:r>
+          </a:p>
+          <a:p>
+            <a:pPr>
+              <a:defRPr sz="1200"/>
+            </a:pPr>
+            <a:r>
+              <a:t>&lt;center&gt;</a:t>
+            </a:r>
+            <a:br/>
+            <a:r>
+              <a:t>    &lt;img src='https://intecbrussel.be/img/logo3.png' width='400px' height='auto'/&gt;</a:t>
+            </a:r>
+            <a:br/>
+            <a:r>
+              <a:t>    &lt;br/&gt;</a:t>
+            </a:r>
+            <a:br/>
+            <a:r>
+              <a:t>    &lt;em&gt;Python les-materialen&lt;/em&gt;</a:t>
+            </a:r>
+            <a:br/>
+            <a:r>
+              <a:t>&lt;/center&gt;</a:t>
+            </a:r>
+            <a:br/>
+          </a:p>
+        </p:txBody>
+      </p:sp>
+    </p:spTree>
+  </p:cSld>
+  <p:clrMapOvr>
+    <a:masterClrMapping/>
+  </p:clrMapOvr>
+</p:sld>
+</file>
+
+<file path=ppt/slides/slide202.xml><?xml version="1.0" encoding="utf-8"?>
+<p:sld xmlns:a="http://schemas.openxmlformats.org/drawingml/2006/main" xmlns:p="http://schemas.openxmlformats.org/presentationml/2006/main" xmlns:r="http://schemas.openxmlformats.org/officeDocument/2006/relationships">
+  <p:cSld>
+    <p:spTree>
+      <p:nvGrpSpPr>
+        <p:cNvPr id="1" name=""/>
+        <p:cNvGrpSpPr/>
+        <p:nvPr/>
+      </p:nvGrpSpPr>
+      <p:grpSpPr/>
+      <p:sp>
+        <p:nvSpPr>
+          <p:cNvPr id="2" name="TextBox 1"/>
+          <p:cNvSpPr txBox="1"/>
+          <p:nvPr/>
+        </p:nvSpPr>
+        <p:spPr>
+          <a:xfrm>
+            <a:off x="914400" y="914400"/>
+            <a:ext cx="914400" cy="914400"/>
+          </a:xfrm>
+          <a:prstGeom prst="rect">
+            <a:avLst/>
+          </a:prstGeom>
+          <a:noFill/>
+        </p:spPr>
+        <p:txBody>
+          <a:bodyPr wrap="none">
+            <a:spAutoFit/>
+          </a:bodyPr>
+          <a:lstStyle/>
+          <a:p>
+            <a:r>
+              <a:t>Info:</a:t>
+            </a:r>
+          </a:p>
+          <a:p>
+            <a:pPr>
+              <a:defRPr sz="1200"/>
+            </a:pPr>
+            <a:r>
+              <a:t># Opdrachten datastructuren met oplossingen</a:t>
+            </a:r>
+            <a:br/>
+            <a:br/>
+            <a:r>
+              <a:t>## Test je eigen kennis.</a:t>
+            </a:r>
+            <a:br/>
+            <a:br/>
+            <a:r>
+              <a:t>** Beantwoord de volgende vragen **</a:t>
+            </a:r>
+            <a:br/>
+          </a:p>
+        </p:txBody>
+      </p:sp>
+    </p:spTree>
+  </p:cSld>
+  <p:clrMapOvr>
+    <a:masterClrMapping/>
+  </p:clrMapOvr>
+</p:sld>
+</file>
+
+<file path=ppt/slides/slide203.xml><?xml version="1.0" encoding="utf-8"?>
+<p:sld xmlns:a="http://schemas.openxmlformats.org/drawingml/2006/main" xmlns:p="http://schemas.openxmlformats.org/presentationml/2006/main" xmlns:r="http://schemas.openxmlformats.org/officeDocument/2006/relationships">
+  <p:cSld>
+    <p:spTree>
+      <p:nvGrpSpPr>
+        <p:cNvPr id="1" name=""/>
+        <p:cNvGrpSpPr/>
+        <p:nvPr/>
+      </p:nvGrpSpPr>
+      <p:grpSpPr/>
+      <p:sp>
+        <p:nvSpPr>
+          <p:cNvPr id="2" name="TextBox 1"/>
+          <p:cNvSpPr txBox="1"/>
+          <p:nvPr/>
+        </p:nvSpPr>
+        <p:spPr>
+          <a:xfrm>
+            <a:off x="914400" y="914400"/>
+            <a:ext cx="914400" cy="914400"/>
+          </a:xfrm>
+          <a:prstGeom prst="rect">
+            <a:avLst/>
+          </a:prstGeom>
+          <a:noFill/>
+        </p:spPr>
+        <p:txBody>
+          <a:bodyPr wrap="none">
+            <a:spAutoFit/>
+          </a:bodyPr>
+          <a:lstStyle/>
+          <a:p>
+            <a:r>
+              <a:t>Info:</a:t>
+            </a:r>
+          </a:p>
+          <a:p>
+            <a:pPr>
+              <a:defRPr sz="1200"/>
+            </a:pPr>
+            <a:r>
+              <a:t>Write a brief description of all the following Object Types and Data Structures we've learned about: </a:t>
+            </a:r>
+            <a:br/>
+          </a:p>
+        </p:txBody>
+      </p:sp>
+    </p:spTree>
+  </p:cSld>
+  <p:clrMapOvr>
+    <a:masterClrMapping/>
+  </p:clrMapOvr>
+</p:sld>
+</file>
+
+<file path=ppt/slides/slide204.xml><?xml version="1.0" encoding="utf-8"?>
+<p:sld xmlns:a="http://schemas.openxmlformats.org/drawingml/2006/main" xmlns:p="http://schemas.openxmlformats.org/presentationml/2006/main" xmlns:r="http://schemas.openxmlformats.org/officeDocument/2006/relationships">
+  <p:cSld>
+    <p:spTree>
+      <p:nvGrpSpPr>
+        <p:cNvPr id="1" name=""/>
+        <p:cNvGrpSpPr/>
+        <p:nvPr/>
+      </p:nvGrpSpPr>
+      <p:grpSpPr/>
+      <p:sp>
+        <p:nvSpPr>
+          <p:cNvPr id="2" name="TextBox 1"/>
+          <p:cNvSpPr txBox="1"/>
+          <p:nvPr/>
+        </p:nvSpPr>
+        <p:spPr>
+          <a:xfrm>
+            <a:off x="914400" y="914400"/>
+            <a:ext cx="914400" cy="914400"/>
+          </a:xfrm>
+          <a:prstGeom prst="rect">
+            <a:avLst/>
+          </a:prstGeom>
+          <a:noFill/>
+        </p:spPr>
+        <p:txBody>
+          <a:bodyPr wrap="none">
+            <a:spAutoFit/>
+          </a:bodyPr>
+          <a:lstStyle/>
+          <a:p>
+            <a:r>
+              <a:t>Info:</a:t>
+            </a:r>
+          </a:p>
+          <a:p>
+            <a:pPr>
+              <a:defRPr sz="1200"/>
+            </a:pPr>
+            <a:r>
+              <a:t>## Numbers</a:t>
+            </a:r>
+            <a:br/>
+            <a:br/>
+            <a:r>
+              <a:t>Write an equation that uses multiplication, division, an exponent, addition, and subtraction that is equal to 100.25.</a:t>
+            </a:r>
+            <a:br/>
+            <a:br/>
+            <a:r>
+              <a:t>Hint: This is just to test your memory of the basic arithmetic commands, work backwards from 100.25</a:t>
+            </a:r>
+            <a:br/>
+          </a:p>
+        </p:txBody>
+      </p:sp>
+    </p:spTree>
+  </p:cSld>
+  <p:clrMapOvr>
+    <a:masterClrMapping/>
+  </p:clrMapOvr>
+</p:sld>
+</file>
+
+<file path=ppt/slides/slide205.xml><?xml version="1.0" encoding="utf-8"?>
+<p:sld xmlns:a="http://schemas.openxmlformats.org/drawingml/2006/main" xmlns:p="http://schemas.openxmlformats.org/presentationml/2006/main" xmlns:r="http://schemas.openxmlformats.org/officeDocument/2006/relationships">
+  <p:cSld>
+    <p:spTree>
+      <p:nvGrpSpPr>
+        <p:cNvPr id="1" name=""/>
+        <p:cNvGrpSpPr/>
+        <p:nvPr/>
+      </p:nvGrpSpPr>
+      <p:grpSpPr/>
+      <p:sp>
+        <p:nvSpPr>
+          <p:cNvPr id="2" name="TextBox 1"/>
+          <p:cNvSpPr txBox="1"/>
+          <p:nvPr/>
+        </p:nvSpPr>
+        <p:spPr>
+          <a:xfrm>
+            <a:off x="914400" y="914400"/>
+            <a:ext cx="914400" cy="914400"/>
+          </a:xfrm>
+          <a:prstGeom prst="rect">
+            <a:avLst/>
+          </a:prstGeom>
+          <a:noFill/>
+        </p:spPr>
+        <p:txBody>
+          <a:bodyPr wrap="none">
+            <a:spAutoFit/>
+          </a:bodyPr>
+          <a:lstStyle/>
+          <a:p>
+            <a:r>
+              <a:t>Python Code: </a:t>
+            </a:r>
+          </a:p>
+          <a:p>
+            <a:pPr>
+              <a:defRPr sz="1200"/>
+            </a:pPr>
+            <a:r>
+              <a:t>``` # Your answer is probably different</a:t>
+            </a:r>
+            <a:br/>
+            <a:r>
+              <a:t> `````` (60 + (10 ** 2) / 4 * 7) - 134.75 ```</a:t>
+            </a:r>
+            <a:br/>
+          </a:p>
+        </p:txBody>
+      </p:sp>
+    </p:spTree>
+  </p:cSld>
+  <p:clrMapOvr>
+    <a:masterClrMapping/>
+  </p:clrMapOvr>
+</p:sld>
+</file>
+
+<file path=ppt/slides/slide206.xml><?xml version="1.0" encoding="utf-8"?>
+<p:sld xmlns:a="http://schemas.openxmlformats.org/drawingml/2006/main" xmlns:p="http://schemas.openxmlformats.org/presentationml/2006/main" xmlns:r="http://schemas.openxmlformats.org/officeDocument/2006/relationships">
+  <p:cSld>
+    <p:spTree>
+      <p:nvGrpSpPr>
+        <p:cNvPr id="1" name=""/>
+        <p:cNvGrpSpPr/>
+        <p:nvPr/>
+      </p:nvGrpSpPr>
+      <p:grpSpPr/>
+      <p:sp>
+        <p:nvSpPr>
+          <p:cNvPr id="2" name="TextBox 1"/>
+          <p:cNvSpPr txBox="1"/>
+          <p:nvPr/>
+        </p:nvSpPr>
+        <p:spPr>
+          <a:xfrm>
+            <a:off x="914400" y="914400"/>
+            <a:ext cx="914400" cy="914400"/>
+          </a:xfrm>
+          <a:prstGeom prst="rect">
+            <a:avLst/>
+          </a:prstGeom>
+          <a:noFill/>
+        </p:spPr>
+        <p:txBody>
+          <a:bodyPr wrap="none">
+            <a:spAutoFit/>
+          </a:bodyPr>
+          <a:lstStyle/>
+          <a:p>
+            <a:r>
+              <a:t>Info:</a:t>
+            </a:r>
+          </a:p>
+          <a:p>
+            <a:pPr>
+              <a:defRPr sz="1200"/>
+            </a:pPr>
+            <a:r>
+              <a:t>Answer these 3 questions without typing code. Then type code to check your answer.</a:t>
+            </a:r>
+            <a:br/>
+            <a:br/>
+            <a:r>
+              <a:t>    What is the value of the expression 4 * (6 + 5)</a:t>
+            </a:r>
+            <a:br/>
+            <a:r>
+              <a:t>    </a:t>
+            </a:r>
+            <a:br/>
+            <a:r>
+              <a:t>    What is the value of the expression 4 * 6 + 5 </a:t>
+            </a:r>
+            <a:br/>
+            <a:r>
+              <a:t>    </a:t>
+            </a:r>
+            <a:br/>
+            <a:r>
+              <a:t>    What is the value of the expression 4 + 6 * 5 </a:t>
+            </a:r>
+            <a:br/>
+          </a:p>
+        </p:txBody>
+      </p:sp>
+    </p:spTree>
+  </p:cSld>
+  <p:clrMapOvr>
+    <a:masterClrMapping/>
+  </p:clrMapOvr>
+</p:sld>
+</file>
+
+<file path=ppt/slides/slide207.xml><?xml version="1.0" encoding="utf-8"?>
+<p:sld xmlns:a="http://schemas.openxmlformats.org/drawingml/2006/main" xmlns:p="http://schemas.openxmlformats.org/presentationml/2006/main" xmlns:r="http://schemas.openxmlformats.org/officeDocument/2006/relationships">
+  <p:cSld>
+    <p:spTree>
+      <p:nvGrpSpPr>
+        <p:cNvPr id="1" name=""/>
+        <p:cNvGrpSpPr/>
+        <p:nvPr/>
+      </p:nvGrpSpPr>
+      <p:grpSpPr/>
+      <p:sp>
+        <p:nvSpPr>
+          <p:cNvPr id="2" name="TextBox 1"/>
+          <p:cNvSpPr txBox="1"/>
+          <p:nvPr/>
+        </p:nvSpPr>
+        <p:spPr>
+          <a:xfrm>
+            <a:off x="914400" y="914400"/>
+            <a:ext cx="914400" cy="914400"/>
+          </a:xfrm>
+          <a:prstGeom prst="rect">
+            <a:avLst/>
+          </a:prstGeom>
+          <a:noFill/>
+        </p:spPr>
+        <p:txBody>
+          <a:bodyPr wrap="none">
+            <a:spAutoFit/>
+          </a:bodyPr>
+          <a:lstStyle/>
+          <a:p>
+            <a:r>
+              <a:t>Python Code: </a:t>
+            </a:r>
+          </a:p>
+          <a:p>
+            <a:pPr>
+              <a:defRPr sz="1200"/>
+            </a:pPr>
+            <a:r>
+              <a:t>``` 4 * (6 + 5) ```</a:t>
+            </a:r>
+            <a:br/>
+          </a:p>
+        </p:txBody>
+      </p:sp>
+    </p:spTree>
+  </p:cSld>
+  <p:clrMapOvr>
+    <a:masterClrMapping/>
+  </p:clrMapOvr>
+</p:sld>
+</file>
+
+<file path=ppt/slides/slide208.xml><?xml version="1.0" encoding="utf-8"?>
+<p:sld xmlns:a="http://schemas.openxmlformats.org/drawingml/2006/main" xmlns:p="http://schemas.openxmlformats.org/presentationml/2006/main" xmlns:r="http://schemas.openxmlformats.org/officeDocument/2006/relationships">
+  <p:cSld>
+    <p:spTree>
+      <p:nvGrpSpPr>
+        <p:cNvPr id="1" name=""/>
+        <p:cNvGrpSpPr/>
+        <p:nvPr/>
+      </p:nvGrpSpPr>
+      <p:grpSpPr/>
+      <p:sp>
+        <p:nvSpPr>
+          <p:cNvPr id="2" name="TextBox 1"/>
+          <p:cNvSpPr txBox="1"/>
+          <p:nvPr/>
+        </p:nvSpPr>
+        <p:spPr>
+          <a:xfrm>
+            <a:off x="914400" y="914400"/>
+            <a:ext cx="914400" cy="914400"/>
+          </a:xfrm>
+          <a:prstGeom prst="rect">
+            <a:avLst/>
+          </a:prstGeom>
+          <a:noFill/>
+        </p:spPr>
+        <p:txBody>
+          <a:bodyPr wrap="none">
+            <a:spAutoFit/>
+          </a:bodyPr>
+          <a:lstStyle/>
+          <a:p>
+            <a:r>
+              <a:t>Python Code: </a:t>
+            </a:r>
+          </a:p>
+          <a:p>
+            <a:pPr>
+              <a:defRPr sz="1200"/>
+            </a:pPr>
+            <a:r>
+              <a:t>``` 4 * 6 + 5  ```</a:t>
+            </a:r>
+            <a:br/>
+          </a:p>
+        </p:txBody>
+      </p:sp>
+    </p:spTree>
+  </p:cSld>
+  <p:clrMapOvr>
+    <a:masterClrMapping/>
+  </p:clrMapOvr>
+</p:sld>
+</file>
+
+<file path=ppt/slides/slide209.xml><?xml version="1.0" encoding="utf-8"?>
+<p:sld xmlns:a="http://schemas.openxmlformats.org/drawingml/2006/main" xmlns:p="http://schemas.openxmlformats.org/presentationml/2006/main" xmlns:r="http://schemas.openxmlformats.org/officeDocument/2006/relationships">
+  <p:cSld>
+    <p:spTree>
+      <p:nvGrpSpPr>
+        <p:cNvPr id="1" name=""/>
+        <p:cNvGrpSpPr/>
+        <p:nvPr/>
+      </p:nvGrpSpPr>
+      <p:grpSpPr/>
+      <p:sp>
+        <p:nvSpPr>
+          <p:cNvPr id="2" name="TextBox 1"/>
+          <p:cNvSpPr txBox="1"/>
+          <p:nvPr/>
+        </p:nvSpPr>
+        <p:spPr>
+          <a:xfrm>
+            <a:off x="914400" y="914400"/>
+            <a:ext cx="914400" cy="914400"/>
+          </a:xfrm>
+          <a:prstGeom prst="rect">
+            <a:avLst/>
+          </a:prstGeom>
+          <a:noFill/>
+        </p:spPr>
+        <p:txBody>
+          <a:bodyPr wrap="none">
+            <a:spAutoFit/>
+          </a:bodyPr>
+          <a:lstStyle/>
+          <a:p>
+            <a:r>
+              <a:t>Python Code: </a:t>
+            </a:r>
+          </a:p>
+          <a:p>
+            <a:pPr>
+              <a:defRPr sz="1200"/>
+            </a:pPr>
+            <a:r>
+              <a:t>``` 4 + 6 * 5  ```</a:t>
+            </a:r>
+            <a:br/>
+          </a:p>
+        </p:txBody>
+      </p:sp>
+    </p:spTree>
+  </p:cSld>
+  <p:clrMapOvr>
+    <a:masterClrMapping/>
+  </p:clrMapOvr>
+</p:sld>
+</file>
+
 <file path=ppt/slides/slide21.xml><?xml version="1.0" encoding="utf-8"?>
 <p:sld xmlns:a="http://schemas.openxmlformats.org/drawingml/2006/main" xmlns:p="http://schemas.openxmlformats.org/presentationml/2006/main" xmlns:r="http://schemas.openxmlformats.org/officeDocument/2006/relationships">
   <p:cSld>
@@ -11206,6 +11871,588 @@
 </p:sld>
 </file>
 
+<file path=ppt/slides/slide210.xml><?xml version="1.0" encoding="utf-8"?>
+<p:sld xmlns:a="http://schemas.openxmlformats.org/drawingml/2006/main" xmlns:p="http://schemas.openxmlformats.org/presentationml/2006/main" xmlns:r="http://schemas.openxmlformats.org/officeDocument/2006/relationships">
+  <p:cSld>
+    <p:spTree>
+      <p:nvGrpSpPr>
+        <p:cNvPr id="1" name=""/>
+        <p:cNvGrpSpPr/>
+        <p:nvPr/>
+      </p:nvGrpSpPr>
+      <p:grpSpPr/>
+      <p:sp>
+        <p:nvSpPr>
+          <p:cNvPr id="2" name="TextBox 1"/>
+          <p:cNvSpPr txBox="1"/>
+          <p:nvPr/>
+        </p:nvSpPr>
+        <p:spPr>
+          <a:xfrm>
+            <a:off x="914400" y="914400"/>
+            <a:ext cx="914400" cy="914400"/>
+          </a:xfrm>
+          <a:prstGeom prst="rect">
+            <a:avLst/>
+          </a:prstGeom>
+          <a:noFill/>
+        </p:spPr>
+        <p:txBody>
+          <a:bodyPr wrap="none">
+            <a:spAutoFit/>
+          </a:bodyPr>
+          <a:lstStyle/>
+          <a:p>
+            <a:r>
+              <a:t>Info:</a:t>
+            </a:r>
+          </a:p>
+          <a:p>
+            <a:pPr>
+              <a:defRPr sz="1200"/>
+            </a:pPr>
+            <a:r>
+              <a:t>What is the *type* of the result of the expression 3 + 1.5 + 4?</a:t>
+            </a:r>
+            <a:br/>
+          </a:p>
+        </p:txBody>
+      </p:sp>
+    </p:spTree>
+  </p:cSld>
+  <p:clrMapOvr>
+    <a:masterClrMapping/>
+  </p:clrMapOvr>
+</p:sld>
+</file>
+
+<file path=ppt/slides/slide211.xml><?xml version="1.0" encoding="utf-8"?>
+<p:sld xmlns:a="http://schemas.openxmlformats.org/drawingml/2006/main" xmlns:p="http://schemas.openxmlformats.org/presentationml/2006/main" xmlns:r="http://schemas.openxmlformats.org/officeDocument/2006/relationships">
+  <p:cSld>
+    <p:spTree>
+      <p:nvGrpSpPr>
+        <p:cNvPr id="1" name=""/>
+        <p:cNvGrpSpPr/>
+        <p:nvPr/>
+      </p:nvGrpSpPr>
+      <p:grpSpPr/>
+      <p:sp>
+        <p:nvSpPr>
+          <p:cNvPr id="2" name="TextBox 1"/>
+          <p:cNvSpPr txBox="1"/>
+          <p:nvPr/>
+        </p:nvSpPr>
+        <p:spPr>
+          <a:xfrm>
+            <a:off x="914400" y="914400"/>
+            <a:ext cx="914400" cy="914400"/>
+          </a:xfrm>
+          <a:prstGeom prst="rect">
+            <a:avLst/>
+          </a:prstGeom>
+          <a:noFill/>
+        </p:spPr>
+        <p:txBody>
+          <a:bodyPr wrap="none">
+            <a:spAutoFit/>
+          </a:bodyPr>
+          <a:lstStyle/>
+          <a:p>
+            <a:r>
+              <a:t>Info:</a:t>
+            </a:r>
+          </a:p>
+          <a:p>
+            <a:pPr>
+              <a:defRPr sz="1200"/>
+            </a:pPr>
+            <a:r>
+              <a:t>**Answer: Floating Point Number**</a:t>
+            </a:r>
+            <a:br/>
+          </a:p>
+        </p:txBody>
+      </p:sp>
+    </p:spTree>
+  </p:cSld>
+  <p:clrMapOvr>
+    <a:masterClrMapping/>
+  </p:clrMapOvr>
+</p:sld>
+</file>
+
+<file path=ppt/slides/slide212.xml><?xml version="1.0" encoding="utf-8"?>
+<p:sld xmlns:a="http://schemas.openxmlformats.org/drawingml/2006/main" xmlns:p="http://schemas.openxmlformats.org/presentationml/2006/main" xmlns:r="http://schemas.openxmlformats.org/officeDocument/2006/relationships">
+  <p:cSld>
+    <p:spTree>
+      <p:nvGrpSpPr>
+        <p:cNvPr id="1" name=""/>
+        <p:cNvGrpSpPr/>
+        <p:nvPr/>
+      </p:nvGrpSpPr>
+      <p:grpSpPr/>
+      <p:sp>
+        <p:nvSpPr>
+          <p:cNvPr id="2" name="TextBox 1"/>
+          <p:cNvSpPr txBox="1"/>
+          <p:nvPr/>
+        </p:nvSpPr>
+        <p:spPr>
+          <a:xfrm>
+            <a:off x="914400" y="914400"/>
+            <a:ext cx="914400" cy="914400"/>
+          </a:xfrm>
+          <a:prstGeom prst="rect">
+            <a:avLst/>
+          </a:prstGeom>
+          <a:noFill/>
+        </p:spPr>
+        <p:txBody>
+          <a:bodyPr wrap="none">
+            <a:spAutoFit/>
+          </a:bodyPr>
+          <a:lstStyle/>
+          <a:p>
+            <a:r>
+              <a:t>Info:</a:t>
+            </a:r>
+          </a:p>
+          <a:p>
+            <a:pPr>
+              <a:defRPr sz="1200"/>
+            </a:pPr>
+            <a:r>
+              <a:t>What would you use to find a numberâ€™s square root, as well as its square? </a:t>
+            </a:r>
+            <a:br/>
+          </a:p>
+        </p:txBody>
+      </p:sp>
+    </p:spTree>
+  </p:cSld>
+  <p:clrMapOvr>
+    <a:masterClrMapping/>
+  </p:clrMapOvr>
+</p:sld>
+</file>
+
+<file path=ppt/slides/slide213.xml><?xml version="1.0" encoding="utf-8"?>
+<p:sld xmlns:a="http://schemas.openxmlformats.org/drawingml/2006/main" xmlns:p="http://schemas.openxmlformats.org/presentationml/2006/main" xmlns:r="http://schemas.openxmlformats.org/officeDocument/2006/relationships">
+  <p:cSld>
+    <p:spTree>
+      <p:nvGrpSpPr>
+        <p:cNvPr id="1" name=""/>
+        <p:cNvGrpSpPr/>
+        <p:nvPr/>
+      </p:nvGrpSpPr>
+      <p:grpSpPr/>
+      <p:sp>
+        <p:nvSpPr>
+          <p:cNvPr id="2" name="TextBox 1"/>
+          <p:cNvSpPr txBox="1"/>
+          <p:nvPr/>
+        </p:nvSpPr>
+        <p:spPr>
+          <a:xfrm>
+            <a:off x="914400" y="914400"/>
+            <a:ext cx="914400" cy="914400"/>
+          </a:xfrm>
+          <a:prstGeom prst="rect">
+            <a:avLst/>
+          </a:prstGeom>
+          <a:noFill/>
+        </p:spPr>
+        <p:txBody>
+          <a:bodyPr wrap="none">
+            <a:spAutoFit/>
+          </a:bodyPr>
+          <a:lstStyle/>
+          <a:p>
+            <a:r>
+              <a:t>Python Code: </a:t>
+            </a:r>
+          </a:p>
+          <a:p>
+            <a:pPr>
+              <a:defRPr sz="1200"/>
+            </a:pPr>
+            <a:r>
+              <a:t>``` # Square root:</a:t>
+            </a:r>
+            <a:br/>
+            <a:r>
+              <a:t> `````` 100 ** 0.5 ```</a:t>
+            </a:r>
+            <a:br/>
+          </a:p>
+        </p:txBody>
+      </p:sp>
+    </p:spTree>
+  </p:cSld>
+  <p:clrMapOvr>
+    <a:masterClrMapping/>
+  </p:clrMapOvr>
+</p:sld>
+</file>
+
+<file path=ppt/slides/slide214.xml><?xml version="1.0" encoding="utf-8"?>
+<p:sld xmlns:a="http://schemas.openxmlformats.org/drawingml/2006/main" xmlns:p="http://schemas.openxmlformats.org/presentationml/2006/main" xmlns:r="http://schemas.openxmlformats.org/officeDocument/2006/relationships">
+  <p:cSld>
+    <p:spTree>
+      <p:nvGrpSpPr>
+        <p:cNvPr id="1" name=""/>
+        <p:cNvGrpSpPr/>
+        <p:nvPr/>
+      </p:nvGrpSpPr>
+      <p:grpSpPr/>
+      <p:sp>
+        <p:nvSpPr>
+          <p:cNvPr id="2" name="TextBox 1"/>
+          <p:cNvSpPr txBox="1"/>
+          <p:nvPr/>
+        </p:nvSpPr>
+        <p:spPr>
+          <a:xfrm>
+            <a:off x="914400" y="914400"/>
+            <a:ext cx="914400" cy="914400"/>
+          </a:xfrm>
+          <a:prstGeom prst="rect">
+            <a:avLst/>
+          </a:prstGeom>
+          <a:noFill/>
+        </p:spPr>
+        <p:txBody>
+          <a:bodyPr wrap="none">
+            <a:spAutoFit/>
+          </a:bodyPr>
+          <a:lstStyle/>
+          <a:p>
+            <a:r>
+              <a:t>Python Code: </a:t>
+            </a:r>
+          </a:p>
+          <a:p>
+            <a:pPr>
+              <a:defRPr sz="1200"/>
+            </a:pPr>
+            <a:r>
+              <a:t>``` # Square:</a:t>
+            </a:r>
+            <a:br/>
+            <a:r>
+              <a:t> `````` 10 ** 2 ```</a:t>
+            </a:r>
+            <a:br/>
+          </a:p>
+        </p:txBody>
+      </p:sp>
+    </p:spTree>
+  </p:cSld>
+  <p:clrMapOvr>
+    <a:masterClrMapping/>
+  </p:clrMapOvr>
+</p:sld>
+</file>
+
+<file path=ppt/slides/slide215.xml><?xml version="1.0" encoding="utf-8"?>
+<p:sld xmlns:a="http://schemas.openxmlformats.org/drawingml/2006/main" xmlns:p="http://schemas.openxmlformats.org/presentationml/2006/main" xmlns:r="http://schemas.openxmlformats.org/officeDocument/2006/relationships">
+  <p:cSld>
+    <p:spTree>
+      <p:nvGrpSpPr>
+        <p:cNvPr id="1" name=""/>
+        <p:cNvGrpSpPr/>
+        <p:nvPr/>
+      </p:nvGrpSpPr>
+      <p:grpSpPr/>
+      <p:sp>
+        <p:nvSpPr>
+          <p:cNvPr id="2" name="TextBox 1"/>
+          <p:cNvSpPr txBox="1"/>
+          <p:nvPr/>
+        </p:nvSpPr>
+        <p:spPr>
+          <a:xfrm>
+            <a:off x="914400" y="914400"/>
+            <a:ext cx="914400" cy="914400"/>
+          </a:xfrm>
+          <a:prstGeom prst="rect">
+            <a:avLst/>
+          </a:prstGeom>
+          <a:noFill/>
+        </p:spPr>
+        <p:txBody>
+          <a:bodyPr wrap="none">
+            <a:spAutoFit/>
+          </a:bodyPr>
+          <a:lstStyle/>
+          <a:p>
+            <a:r>
+              <a:t>Info:</a:t>
+            </a:r>
+          </a:p>
+          <a:p>
+            <a:pPr>
+              <a:defRPr sz="1200"/>
+            </a:pPr>
+            <a:r>
+              <a:t>## Strings</a:t>
+            </a:r>
+            <a:br/>
+          </a:p>
+        </p:txBody>
+      </p:sp>
+    </p:spTree>
+  </p:cSld>
+  <p:clrMapOvr>
+    <a:masterClrMapping/>
+  </p:clrMapOvr>
+</p:sld>
+</file>
+
+<file path=ppt/slides/slide216.xml><?xml version="1.0" encoding="utf-8"?>
+<p:sld xmlns:a="http://schemas.openxmlformats.org/drawingml/2006/main" xmlns:p="http://schemas.openxmlformats.org/presentationml/2006/main" xmlns:r="http://schemas.openxmlformats.org/officeDocument/2006/relationships">
+  <p:cSld>
+    <p:spTree>
+      <p:nvGrpSpPr>
+        <p:cNvPr id="1" name=""/>
+        <p:cNvGrpSpPr/>
+        <p:nvPr/>
+      </p:nvGrpSpPr>
+      <p:grpSpPr/>
+      <p:sp>
+        <p:nvSpPr>
+          <p:cNvPr id="2" name="TextBox 1"/>
+          <p:cNvSpPr txBox="1"/>
+          <p:nvPr/>
+        </p:nvSpPr>
+        <p:spPr>
+          <a:xfrm>
+            <a:off x="914400" y="914400"/>
+            <a:ext cx="914400" cy="914400"/>
+          </a:xfrm>
+          <a:prstGeom prst="rect">
+            <a:avLst/>
+          </a:prstGeom>
+          <a:noFill/>
+        </p:spPr>
+        <p:txBody>
+          <a:bodyPr wrap="none">
+            <a:spAutoFit/>
+          </a:bodyPr>
+          <a:lstStyle/>
+          <a:p>
+            <a:r>
+              <a:t>Info:</a:t>
+            </a:r>
+          </a:p>
+          <a:p>
+            <a:pPr>
+              <a:defRPr sz="1200"/>
+            </a:pPr>
+            <a:r>
+              <a:t>Given the string 'hello' give an index command that returns 'e'. Enter your code in the cell below:</a:t>
+            </a:r>
+            <a:br/>
+          </a:p>
+        </p:txBody>
+      </p:sp>
+    </p:spTree>
+  </p:cSld>
+  <p:clrMapOvr>
+    <a:masterClrMapping/>
+  </p:clrMapOvr>
+</p:sld>
+</file>
+
+<file path=ppt/slides/slide217.xml><?xml version="1.0" encoding="utf-8"?>
+<p:sld xmlns:a="http://schemas.openxmlformats.org/drawingml/2006/main" xmlns:p="http://schemas.openxmlformats.org/presentationml/2006/main" xmlns:r="http://schemas.openxmlformats.org/officeDocument/2006/relationships">
+  <p:cSld>
+    <p:spTree>
+      <p:nvGrpSpPr>
+        <p:cNvPr id="1" name=""/>
+        <p:cNvGrpSpPr/>
+        <p:nvPr/>
+      </p:nvGrpSpPr>
+      <p:grpSpPr/>
+      <p:sp>
+        <p:nvSpPr>
+          <p:cNvPr id="2" name="TextBox 1"/>
+          <p:cNvSpPr txBox="1"/>
+          <p:nvPr/>
+        </p:nvSpPr>
+        <p:spPr>
+          <a:xfrm>
+            <a:off x="914400" y="914400"/>
+            <a:ext cx="914400" cy="914400"/>
+          </a:xfrm>
+          <a:prstGeom prst="rect">
+            <a:avLst/>
+          </a:prstGeom>
+          <a:noFill/>
+        </p:spPr>
+        <p:txBody>
+          <a:bodyPr wrap="none">
+            <a:spAutoFit/>
+          </a:bodyPr>
+          <a:lstStyle/>
+          <a:p>
+            <a:r>
+              <a:t>Python Code: </a:t>
+            </a:r>
+          </a:p>
+          <a:p>
+            <a:pPr>
+              <a:defRPr sz="1200"/>
+            </a:pPr>
+            <a:r>
+              <a:t>``` s = 'hello'</a:t>
+            </a:r>
+            <a:br/>
+            <a:r>
+              <a:t> `````` # Print out 'e' using indexing</a:t>
+            </a:r>
+            <a:br/>
+            <a:r>
+              <a:t> `````` </a:t>
+            </a:r>
+            <a:br/>
+            <a:r>
+              <a:t> `````` s[1] ```</a:t>
+            </a:r>
+            <a:br/>
+          </a:p>
+        </p:txBody>
+      </p:sp>
+    </p:spTree>
+  </p:cSld>
+  <p:clrMapOvr>
+    <a:masterClrMapping/>
+  </p:clrMapOvr>
+</p:sld>
+</file>
+
+<file path=ppt/slides/slide218.xml><?xml version="1.0" encoding="utf-8"?>
+<p:sld xmlns:a="http://schemas.openxmlformats.org/drawingml/2006/main" xmlns:p="http://schemas.openxmlformats.org/presentationml/2006/main" xmlns:r="http://schemas.openxmlformats.org/officeDocument/2006/relationships">
+  <p:cSld>
+    <p:spTree>
+      <p:nvGrpSpPr>
+        <p:cNvPr id="1" name=""/>
+        <p:cNvGrpSpPr/>
+        <p:nvPr/>
+      </p:nvGrpSpPr>
+      <p:grpSpPr/>
+      <p:sp>
+        <p:nvSpPr>
+          <p:cNvPr id="2" name="TextBox 1"/>
+          <p:cNvSpPr txBox="1"/>
+          <p:nvPr/>
+        </p:nvSpPr>
+        <p:spPr>
+          <a:xfrm>
+            <a:off x="914400" y="914400"/>
+            <a:ext cx="914400" cy="914400"/>
+          </a:xfrm>
+          <a:prstGeom prst="rect">
+            <a:avLst/>
+          </a:prstGeom>
+          <a:noFill/>
+        </p:spPr>
+        <p:txBody>
+          <a:bodyPr wrap="none">
+            <a:spAutoFit/>
+          </a:bodyPr>
+          <a:lstStyle/>
+          <a:p>
+            <a:r>
+              <a:t>Info:</a:t>
+            </a:r>
+          </a:p>
+          <a:p>
+            <a:pPr>
+              <a:defRPr sz="1200"/>
+            </a:pPr>
+            <a:r>
+              <a:t>Reverse the string 'hello' using slicing:</a:t>
+            </a:r>
+            <a:br/>
+          </a:p>
+        </p:txBody>
+      </p:sp>
+    </p:spTree>
+  </p:cSld>
+  <p:clrMapOvr>
+    <a:masterClrMapping/>
+  </p:clrMapOvr>
+</p:sld>
+</file>
+
+<file path=ppt/slides/slide219.xml><?xml version="1.0" encoding="utf-8"?>
+<p:sld xmlns:a="http://schemas.openxmlformats.org/drawingml/2006/main" xmlns:p="http://schemas.openxmlformats.org/presentationml/2006/main" xmlns:r="http://schemas.openxmlformats.org/officeDocument/2006/relationships">
+  <p:cSld>
+    <p:spTree>
+      <p:nvGrpSpPr>
+        <p:cNvPr id="1" name=""/>
+        <p:cNvGrpSpPr/>
+        <p:nvPr/>
+      </p:nvGrpSpPr>
+      <p:grpSpPr/>
+      <p:sp>
+        <p:nvSpPr>
+          <p:cNvPr id="2" name="TextBox 1"/>
+          <p:cNvSpPr txBox="1"/>
+          <p:nvPr/>
+        </p:nvSpPr>
+        <p:spPr>
+          <a:xfrm>
+            <a:off x="914400" y="914400"/>
+            <a:ext cx="914400" cy="914400"/>
+          </a:xfrm>
+          <a:prstGeom prst="rect">
+            <a:avLst/>
+          </a:prstGeom>
+          <a:noFill/>
+        </p:spPr>
+        <p:txBody>
+          <a:bodyPr wrap="none">
+            <a:spAutoFit/>
+          </a:bodyPr>
+          <a:lstStyle/>
+          <a:p>
+            <a:r>
+              <a:t>Python Code: </a:t>
+            </a:r>
+          </a:p>
+          <a:p>
+            <a:pPr>
+              <a:defRPr sz="1200"/>
+            </a:pPr>
+            <a:r>
+              <a:t>``` s ='hello'</a:t>
+            </a:r>
+            <a:br/>
+            <a:r>
+              <a:t> `````` # Reverse the string using slicing</a:t>
+            </a:r>
+            <a:br/>
+            <a:r>
+              <a:t> `````` </a:t>
+            </a:r>
+            <a:br/>
+            <a:r>
+              <a:t> `````` s[::-1] ```</a:t>
+            </a:r>
+            <a:br/>
+          </a:p>
+        </p:txBody>
+      </p:sp>
+    </p:spTree>
+  </p:cSld>
+  <p:clrMapOvr>
+    <a:masterClrMapping/>
+  </p:clrMapOvr>
+</p:sld>
+</file>
+
 <file path=ppt/slides/slide22.xml><?xml version="1.0" encoding="utf-8"?>
 <p:sld xmlns:a="http://schemas.openxmlformats.org/drawingml/2006/main" xmlns:p="http://schemas.openxmlformats.org/presentationml/2006/main" xmlns:r="http://schemas.openxmlformats.org/officeDocument/2006/relationships">
   <p:cSld>
@@ -11273,6 +12520,596 @@
 </p:sld>
 </file>
 
+<file path=ppt/slides/slide220.xml><?xml version="1.0" encoding="utf-8"?>
+<p:sld xmlns:a="http://schemas.openxmlformats.org/drawingml/2006/main" xmlns:p="http://schemas.openxmlformats.org/presentationml/2006/main" xmlns:r="http://schemas.openxmlformats.org/officeDocument/2006/relationships">
+  <p:cSld>
+    <p:spTree>
+      <p:nvGrpSpPr>
+        <p:cNvPr id="1" name=""/>
+        <p:cNvGrpSpPr/>
+        <p:nvPr/>
+      </p:nvGrpSpPr>
+      <p:grpSpPr/>
+      <p:sp>
+        <p:nvSpPr>
+          <p:cNvPr id="2" name="TextBox 1"/>
+          <p:cNvSpPr txBox="1"/>
+          <p:nvPr/>
+        </p:nvSpPr>
+        <p:spPr>
+          <a:xfrm>
+            <a:off x="914400" y="914400"/>
+            <a:ext cx="914400" cy="914400"/>
+          </a:xfrm>
+          <a:prstGeom prst="rect">
+            <a:avLst/>
+          </a:prstGeom>
+          <a:noFill/>
+        </p:spPr>
+        <p:txBody>
+          <a:bodyPr wrap="none">
+            <a:spAutoFit/>
+          </a:bodyPr>
+          <a:lstStyle/>
+          <a:p>
+            <a:r>
+              <a:t>Info:</a:t>
+            </a:r>
+          </a:p>
+          <a:p>
+            <a:pPr>
+              <a:defRPr sz="1200"/>
+            </a:pPr>
+            <a:r>
+              <a:t>Given the string 'hello', give two methods of producing the letter 'o' using indexing.</a:t>
+            </a:r>
+            <a:br/>
+          </a:p>
+        </p:txBody>
+      </p:sp>
+    </p:spTree>
+  </p:cSld>
+  <p:clrMapOvr>
+    <a:masterClrMapping/>
+  </p:clrMapOvr>
+</p:sld>
+</file>
+
+<file path=ppt/slides/slide221.xml><?xml version="1.0" encoding="utf-8"?>
+<p:sld xmlns:a="http://schemas.openxmlformats.org/drawingml/2006/main" xmlns:p="http://schemas.openxmlformats.org/presentationml/2006/main" xmlns:r="http://schemas.openxmlformats.org/officeDocument/2006/relationships">
+  <p:cSld>
+    <p:spTree>
+      <p:nvGrpSpPr>
+        <p:cNvPr id="1" name=""/>
+        <p:cNvGrpSpPr/>
+        <p:nvPr/>
+      </p:nvGrpSpPr>
+      <p:grpSpPr/>
+      <p:sp>
+        <p:nvSpPr>
+          <p:cNvPr id="2" name="TextBox 1"/>
+          <p:cNvSpPr txBox="1"/>
+          <p:nvPr/>
+        </p:nvSpPr>
+        <p:spPr>
+          <a:xfrm>
+            <a:off x="914400" y="914400"/>
+            <a:ext cx="914400" cy="914400"/>
+          </a:xfrm>
+          <a:prstGeom prst="rect">
+            <a:avLst/>
+          </a:prstGeom>
+          <a:noFill/>
+        </p:spPr>
+        <p:txBody>
+          <a:bodyPr wrap="none">
+            <a:spAutoFit/>
+          </a:bodyPr>
+          <a:lstStyle/>
+          <a:p>
+            <a:r>
+              <a:t>Python Code: </a:t>
+            </a:r>
+          </a:p>
+          <a:p>
+            <a:pPr>
+              <a:defRPr sz="1200"/>
+            </a:pPr>
+            <a:r>
+              <a:t>``` s ='hello'</a:t>
+            </a:r>
+            <a:br/>
+            <a:r>
+              <a:t> `````` # Print out the 'o'</a:t>
+            </a:r>
+            <a:br/>
+            <a:r>
+              <a:t> `````` </a:t>
+            </a:r>
+            <a:br/>
+            <a:r>
+              <a:t> `````` # Method 1:</a:t>
+            </a:r>
+            <a:br/>
+            <a:r>
+              <a:t> `````` </a:t>
+            </a:r>
+            <a:br/>
+            <a:r>
+              <a:t> `````` s[-1] ```</a:t>
+            </a:r>
+            <a:br/>
+          </a:p>
+        </p:txBody>
+      </p:sp>
+    </p:spTree>
+  </p:cSld>
+  <p:clrMapOvr>
+    <a:masterClrMapping/>
+  </p:clrMapOvr>
+</p:sld>
+</file>
+
+<file path=ppt/slides/slide222.xml><?xml version="1.0" encoding="utf-8"?>
+<p:sld xmlns:a="http://schemas.openxmlformats.org/drawingml/2006/main" xmlns:p="http://schemas.openxmlformats.org/presentationml/2006/main" xmlns:r="http://schemas.openxmlformats.org/officeDocument/2006/relationships">
+  <p:cSld>
+    <p:spTree>
+      <p:nvGrpSpPr>
+        <p:cNvPr id="1" name=""/>
+        <p:cNvGrpSpPr/>
+        <p:nvPr/>
+      </p:nvGrpSpPr>
+      <p:grpSpPr/>
+      <p:sp>
+        <p:nvSpPr>
+          <p:cNvPr id="2" name="TextBox 1"/>
+          <p:cNvSpPr txBox="1"/>
+          <p:nvPr/>
+        </p:nvSpPr>
+        <p:spPr>
+          <a:xfrm>
+            <a:off x="914400" y="914400"/>
+            <a:ext cx="914400" cy="914400"/>
+          </a:xfrm>
+          <a:prstGeom prst="rect">
+            <a:avLst/>
+          </a:prstGeom>
+          <a:noFill/>
+        </p:spPr>
+        <p:txBody>
+          <a:bodyPr wrap="none">
+            <a:spAutoFit/>
+          </a:bodyPr>
+          <a:lstStyle/>
+          <a:p>
+            <a:r>
+              <a:t>Python Code: </a:t>
+            </a:r>
+          </a:p>
+          <a:p>
+            <a:pPr>
+              <a:defRPr sz="1200"/>
+            </a:pPr>
+            <a:r>
+              <a:t>``` # Method 2:</a:t>
+            </a:r>
+            <a:br/>
+            <a:r>
+              <a:t> `````` </a:t>
+            </a:r>
+            <a:br/>
+            <a:r>
+              <a:t> `````` s[4] ```</a:t>
+            </a:r>
+            <a:br/>
+          </a:p>
+        </p:txBody>
+      </p:sp>
+    </p:spTree>
+  </p:cSld>
+  <p:clrMapOvr>
+    <a:masterClrMapping/>
+  </p:clrMapOvr>
+</p:sld>
+</file>
+
+<file path=ppt/slides/slide223.xml><?xml version="1.0" encoding="utf-8"?>
+<p:sld xmlns:a="http://schemas.openxmlformats.org/drawingml/2006/main" xmlns:p="http://schemas.openxmlformats.org/presentationml/2006/main" xmlns:r="http://schemas.openxmlformats.org/officeDocument/2006/relationships">
+  <p:cSld>
+    <p:spTree>
+      <p:nvGrpSpPr>
+        <p:cNvPr id="1" name=""/>
+        <p:cNvGrpSpPr/>
+        <p:nvPr/>
+      </p:nvGrpSpPr>
+      <p:grpSpPr/>
+      <p:sp>
+        <p:nvSpPr>
+          <p:cNvPr id="2" name="TextBox 1"/>
+          <p:cNvSpPr txBox="1"/>
+          <p:nvPr/>
+        </p:nvSpPr>
+        <p:spPr>
+          <a:xfrm>
+            <a:off x="914400" y="914400"/>
+            <a:ext cx="914400" cy="914400"/>
+          </a:xfrm>
+          <a:prstGeom prst="rect">
+            <a:avLst/>
+          </a:prstGeom>
+          <a:noFill/>
+        </p:spPr>
+        <p:txBody>
+          <a:bodyPr wrap="none">
+            <a:spAutoFit/>
+          </a:bodyPr>
+          <a:lstStyle/>
+          <a:p>
+            <a:r>
+              <a:t>Info:</a:t>
+            </a:r>
+          </a:p>
+          <a:p>
+            <a:pPr>
+              <a:defRPr sz="1200"/>
+            </a:pPr>
+            <a:r>
+              <a:t>## Lists</a:t>
+            </a:r>
+            <a:br/>
+          </a:p>
+        </p:txBody>
+      </p:sp>
+    </p:spTree>
+  </p:cSld>
+  <p:clrMapOvr>
+    <a:masterClrMapping/>
+  </p:clrMapOvr>
+</p:sld>
+</file>
+
+<file path=ppt/slides/slide224.xml><?xml version="1.0" encoding="utf-8"?>
+<p:sld xmlns:a="http://schemas.openxmlformats.org/drawingml/2006/main" xmlns:p="http://schemas.openxmlformats.org/presentationml/2006/main" xmlns:r="http://schemas.openxmlformats.org/officeDocument/2006/relationships">
+  <p:cSld>
+    <p:spTree>
+      <p:nvGrpSpPr>
+        <p:cNvPr id="1" name=""/>
+        <p:cNvGrpSpPr/>
+        <p:nvPr/>
+      </p:nvGrpSpPr>
+      <p:grpSpPr/>
+      <p:sp>
+        <p:nvSpPr>
+          <p:cNvPr id="2" name="TextBox 1"/>
+          <p:cNvSpPr txBox="1"/>
+          <p:nvPr/>
+        </p:nvSpPr>
+        <p:spPr>
+          <a:xfrm>
+            <a:off x="914400" y="914400"/>
+            <a:ext cx="914400" cy="914400"/>
+          </a:xfrm>
+          <a:prstGeom prst="rect">
+            <a:avLst/>
+          </a:prstGeom>
+          <a:noFill/>
+        </p:spPr>
+        <p:txBody>
+          <a:bodyPr wrap="none">
+            <a:spAutoFit/>
+          </a:bodyPr>
+          <a:lstStyle/>
+          <a:p>
+            <a:r>
+              <a:t>Info:</a:t>
+            </a:r>
+          </a:p>
+          <a:p>
+            <a:pPr>
+              <a:defRPr sz="1200"/>
+            </a:pPr>
+            <a:r>
+              <a:t>Build this list [0,0,0] two separate ways.</a:t>
+            </a:r>
+            <a:br/>
+          </a:p>
+        </p:txBody>
+      </p:sp>
+    </p:spTree>
+  </p:cSld>
+  <p:clrMapOvr>
+    <a:masterClrMapping/>
+  </p:clrMapOvr>
+</p:sld>
+</file>
+
+<file path=ppt/slides/slide225.xml><?xml version="1.0" encoding="utf-8"?>
+<p:sld xmlns:a="http://schemas.openxmlformats.org/drawingml/2006/main" xmlns:p="http://schemas.openxmlformats.org/presentationml/2006/main" xmlns:r="http://schemas.openxmlformats.org/officeDocument/2006/relationships">
+  <p:cSld>
+    <p:spTree>
+      <p:nvGrpSpPr>
+        <p:cNvPr id="1" name=""/>
+        <p:cNvGrpSpPr/>
+        <p:nvPr/>
+      </p:nvGrpSpPr>
+      <p:grpSpPr/>
+      <p:sp>
+        <p:nvSpPr>
+          <p:cNvPr id="2" name="TextBox 1"/>
+          <p:cNvSpPr txBox="1"/>
+          <p:nvPr/>
+        </p:nvSpPr>
+        <p:spPr>
+          <a:xfrm>
+            <a:off x="914400" y="914400"/>
+            <a:ext cx="914400" cy="914400"/>
+          </a:xfrm>
+          <a:prstGeom prst="rect">
+            <a:avLst/>
+          </a:prstGeom>
+          <a:noFill/>
+        </p:spPr>
+        <p:txBody>
+          <a:bodyPr wrap="none">
+            <a:spAutoFit/>
+          </a:bodyPr>
+          <a:lstStyle/>
+          <a:p>
+            <a:r>
+              <a:t>Python Code: </a:t>
+            </a:r>
+          </a:p>
+          <a:p>
+            <a:pPr>
+              <a:defRPr sz="1200"/>
+            </a:pPr>
+            <a:r>
+              <a:t>``` # Method 1:</a:t>
+            </a:r>
+            <a:br/>
+            <a:r>
+              <a:t> `````` [0]*3 ```</a:t>
+            </a:r>
+            <a:br/>
+          </a:p>
+        </p:txBody>
+      </p:sp>
+    </p:spTree>
+  </p:cSld>
+  <p:clrMapOvr>
+    <a:masterClrMapping/>
+  </p:clrMapOvr>
+</p:sld>
+</file>
+
+<file path=ppt/slides/slide226.xml><?xml version="1.0" encoding="utf-8"?>
+<p:sld xmlns:a="http://schemas.openxmlformats.org/drawingml/2006/main" xmlns:p="http://schemas.openxmlformats.org/presentationml/2006/main" xmlns:r="http://schemas.openxmlformats.org/officeDocument/2006/relationships">
+  <p:cSld>
+    <p:spTree>
+      <p:nvGrpSpPr>
+        <p:cNvPr id="1" name=""/>
+        <p:cNvGrpSpPr/>
+        <p:nvPr/>
+      </p:nvGrpSpPr>
+      <p:grpSpPr/>
+      <p:sp>
+        <p:nvSpPr>
+          <p:cNvPr id="2" name="TextBox 1"/>
+          <p:cNvSpPr txBox="1"/>
+          <p:nvPr/>
+        </p:nvSpPr>
+        <p:spPr>
+          <a:xfrm>
+            <a:off x="914400" y="914400"/>
+            <a:ext cx="914400" cy="914400"/>
+          </a:xfrm>
+          <a:prstGeom prst="rect">
+            <a:avLst/>
+          </a:prstGeom>
+          <a:noFill/>
+        </p:spPr>
+        <p:txBody>
+          <a:bodyPr wrap="none">
+            <a:spAutoFit/>
+          </a:bodyPr>
+          <a:lstStyle/>
+          <a:p>
+            <a:r>
+              <a:t>Python Code: </a:t>
+            </a:r>
+          </a:p>
+          <a:p>
+            <a:pPr>
+              <a:defRPr sz="1200"/>
+            </a:pPr>
+            <a:r>
+              <a:t>``` # Method 2:</a:t>
+            </a:r>
+            <a:br/>
+            <a:r>
+              <a:t> `````` list2 = [0,0,0]</a:t>
+            </a:r>
+            <a:br/>
+            <a:r>
+              <a:t> `````` list2 ```</a:t>
+            </a:r>
+            <a:br/>
+          </a:p>
+        </p:txBody>
+      </p:sp>
+    </p:spTree>
+  </p:cSld>
+  <p:clrMapOvr>
+    <a:masterClrMapping/>
+  </p:clrMapOvr>
+</p:sld>
+</file>
+
+<file path=ppt/slides/slide227.xml><?xml version="1.0" encoding="utf-8"?>
+<p:sld xmlns:a="http://schemas.openxmlformats.org/drawingml/2006/main" xmlns:p="http://schemas.openxmlformats.org/presentationml/2006/main" xmlns:r="http://schemas.openxmlformats.org/officeDocument/2006/relationships">
+  <p:cSld>
+    <p:spTree>
+      <p:nvGrpSpPr>
+        <p:cNvPr id="1" name=""/>
+        <p:cNvGrpSpPr/>
+        <p:nvPr/>
+      </p:nvGrpSpPr>
+      <p:grpSpPr/>
+      <p:sp>
+        <p:nvSpPr>
+          <p:cNvPr id="2" name="TextBox 1"/>
+          <p:cNvSpPr txBox="1"/>
+          <p:nvPr/>
+        </p:nvSpPr>
+        <p:spPr>
+          <a:xfrm>
+            <a:off x="914400" y="914400"/>
+            <a:ext cx="914400" cy="914400"/>
+          </a:xfrm>
+          <a:prstGeom prst="rect">
+            <a:avLst/>
+          </a:prstGeom>
+          <a:noFill/>
+        </p:spPr>
+        <p:txBody>
+          <a:bodyPr wrap="none">
+            <a:spAutoFit/>
+          </a:bodyPr>
+          <a:lstStyle/>
+          <a:p>
+            <a:r>
+              <a:t>Info:</a:t>
+            </a:r>
+          </a:p>
+          <a:p>
+            <a:pPr>
+              <a:defRPr sz="1200"/>
+            </a:pPr>
+            <a:r>
+              <a:t>Reassign 'hello' in this nested list to say 'goodbye' instead:</a:t>
+            </a:r>
+            <a:br/>
+          </a:p>
+        </p:txBody>
+      </p:sp>
+    </p:spTree>
+  </p:cSld>
+  <p:clrMapOvr>
+    <a:masterClrMapping/>
+  </p:clrMapOvr>
+</p:sld>
+</file>
+
+<file path=ppt/slides/slide228.xml><?xml version="1.0" encoding="utf-8"?>
+<p:sld xmlns:a="http://schemas.openxmlformats.org/drawingml/2006/main" xmlns:p="http://schemas.openxmlformats.org/presentationml/2006/main" xmlns:r="http://schemas.openxmlformats.org/officeDocument/2006/relationships">
+  <p:cSld>
+    <p:spTree>
+      <p:nvGrpSpPr>
+        <p:cNvPr id="1" name=""/>
+        <p:cNvGrpSpPr/>
+        <p:nvPr/>
+      </p:nvGrpSpPr>
+      <p:grpSpPr/>
+      <p:sp>
+        <p:nvSpPr>
+          <p:cNvPr id="2" name="TextBox 1"/>
+          <p:cNvSpPr txBox="1"/>
+          <p:nvPr/>
+        </p:nvSpPr>
+        <p:spPr>
+          <a:xfrm>
+            <a:off x="914400" y="914400"/>
+            <a:ext cx="914400" cy="914400"/>
+          </a:xfrm>
+          <a:prstGeom prst="rect">
+            <a:avLst/>
+          </a:prstGeom>
+          <a:noFill/>
+        </p:spPr>
+        <p:txBody>
+          <a:bodyPr wrap="none">
+            <a:spAutoFit/>
+          </a:bodyPr>
+          <a:lstStyle/>
+          <a:p>
+            <a:r>
+              <a:t>Python Code: </a:t>
+            </a:r>
+          </a:p>
+          <a:p>
+            <a:pPr>
+              <a:defRPr sz="1200"/>
+            </a:pPr>
+            <a:r>
+              <a:t>``` list3 = [1,2,[3,4,'hello']] ```</a:t>
+            </a:r>
+            <a:br/>
+          </a:p>
+        </p:txBody>
+      </p:sp>
+    </p:spTree>
+  </p:cSld>
+  <p:clrMapOvr>
+    <a:masterClrMapping/>
+  </p:clrMapOvr>
+</p:sld>
+</file>
+
+<file path=ppt/slides/slide229.xml><?xml version="1.0" encoding="utf-8"?>
+<p:sld xmlns:a="http://schemas.openxmlformats.org/drawingml/2006/main" xmlns:p="http://schemas.openxmlformats.org/presentationml/2006/main" xmlns:r="http://schemas.openxmlformats.org/officeDocument/2006/relationships">
+  <p:cSld>
+    <p:spTree>
+      <p:nvGrpSpPr>
+        <p:cNvPr id="1" name=""/>
+        <p:cNvGrpSpPr/>
+        <p:nvPr/>
+      </p:nvGrpSpPr>
+      <p:grpSpPr/>
+      <p:sp>
+        <p:nvSpPr>
+          <p:cNvPr id="2" name="TextBox 1"/>
+          <p:cNvSpPr txBox="1"/>
+          <p:nvPr/>
+        </p:nvSpPr>
+        <p:spPr>
+          <a:xfrm>
+            <a:off x="914400" y="914400"/>
+            <a:ext cx="914400" cy="914400"/>
+          </a:xfrm>
+          <a:prstGeom prst="rect">
+            <a:avLst/>
+          </a:prstGeom>
+          <a:noFill/>
+        </p:spPr>
+        <p:txBody>
+          <a:bodyPr wrap="none">
+            <a:spAutoFit/>
+          </a:bodyPr>
+          <a:lstStyle/>
+          <a:p>
+            <a:r>
+              <a:t>Python Code: </a:t>
+            </a:r>
+          </a:p>
+          <a:p>
+            <a:pPr>
+              <a:defRPr sz="1200"/>
+            </a:pPr>
+            <a:r>
+              <a:t>``` list3[2][2] = 'goodbye' ```</a:t>
+            </a:r>
+            <a:br/>
+          </a:p>
+        </p:txBody>
+      </p:sp>
+    </p:spTree>
+  </p:cSld>
+  <p:clrMapOvr>
+    <a:masterClrMapping/>
+  </p:clrMapOvr>
+</p:sld>
+</file>
+
 <file path=ppt/slides/slide23.xml><?xml version="1.0" encoding="utf-8"?>
 <p:sld xmlns:a="http://schemas.openxmlformats.org/drawingml/2006/main" xmlns:p="http://schemas.openxmlformats.org/presentationml/2006/main" xmlns:r="http://schemas.openxmlformats.org/officeDocument/2006/relationships">
   <p:cSld>
@@ -11334,6 +13171,596 @@
 </p:sld>
 </file>
 
+<file path=ppt/slides/slide230.xml><?xml version="1.0" encoding="utf-8"?>
+<p:sld xmlns:a="http://schemas.openxmlformats.org/drawingml/2006/main" xmlns:p="http://schemas.openxmlformats.org/presentationml/2006/main" xmlns:r="http://schemas.openxmlformats.org/officeDocument/2006/relationships">
+  <p:cSld>
+    <p:spTree>
+      <p:nvGrpSpPr>
+        <p:cNvPr id="1" name=""/>
+        <p:cNvGrpSpPr/>
+        <p:nvPr/>
+      </p:nvGrpSpPr>
+      <p:grpSpPr/>
+      <p:sp>
+        <p:nvSpPr>
+          <p:cNvPr id="2" name="TextBox 1"/>
+          <p:cNvSpPr txBox="1"/>
+          <p:nvPr/>
+        </p:nvSpPr>
+        <p:spPr>
+          <a:xfrm>
+            <a:off x="914400" y="914400"/>
+            <a:ext cx="914400" cy="914400"/>
+          </a:xfrm>
+          <a:prstGeom prst="rect">
+            <a:avLst/>
+          </a:prstGeom>
+          <a:noFill/>
+        </p:spPr>
+        <p:txBody>
+          <a:bodyPr wrap="none">
+            <a:spAutoFit/>
+          </a:bodyPr>
+          <a:lstStyle/>
+          <a:p>
+            <a:r>
+              <a:t>Python Code: </a:t>
+            </a:r>
+          </a:p>
+          <a:p>
+            <a:pPr>
+              <a:defRPr sz="1200"/>
+            </a:pPr>
+            <a:r>
+              <a:t>``` list3 ```</a:t>
+            </a:r>
+            <a:br/>
+          </a:p>
+        </p:txBody>
+      </p:sp>
+    </p:spTree>
+  </p:cSld>
+  <p:clrMapOvr>
+    <a:masterClrMapping/>
+  </p:clrMapOvr>
+</p:sld>
+</file>
+
+<file path=ppt/slides/slide231.xml><?xml version="1.0" encoding="utf-8"?>
+<p:sld xmlns:a="http://schemas.openxmlformats.org/drawingml/2006/main" xmlns:p="http://schemas.openxmlformats.org/presentationml/2006/main" xmlns:r="http://schemas.openxmlformats.org/officeDocument/2006/relationships">
+  <p:cSld>
+    <p:spTree>
+      <p:nvGrpSpPr>
+        <p:cNvPr id="1" name=""/>
+        <p:cNvGrpSpPr/>
+        <p:nvPr/>
+      </p:nvGrpSpPr>
+      <p:grpSpPr/>
+      <p:sp>
+        <p:nvSpPr>
+          <p:cNvPr id="2" name="TextBox 1"/>
+          <p:cNvSpPr txBox="1"/>
+          <p:nvPr/>
+        </p:nvSpPr>
+        <p:spPr>
+          <a:xfrm>
+            <a:off x="914400" y="914400"/>
+            <a:ext cx="914400" cy="914400"/>
+          </a:xfrm>
+          <a:prstGeom prst="rect">
+            <a:avLst/>
+          </a:prstGeom>
+          <a:noFill/>
+        </p:spPr>
+        <p:txBody>
+          <a:bodyPr wrap="none">
+            <a:spAutoFit/>
+          </a:bodyPr>
+          <a:lstStyle/>
+          <a:p>
+            <a:r>
+              <a:t>Info:</a:t>
+            </a:r>
+          </a:p>
+          <a:p>
+            <a:pPr>
+              <a:defRPr sz="1200"/>
+            </a:pPr>
+            <a:r>
+              <a:t>Sort the list below:</a:t>
+            </a:r>
+            <a:br/>
+          </a:p>
+        </p:txBody>
+      </p:sp>
+    </p:spTree>
+  </p:cSld>
+  <p:clrMapOvr>
+    <a:masterClrMapping/>
+  </p:clrMapOvr>
+</p:sld>
+</file>
+
+<file path=ppt/slides/slide232.xml><?xml version="1.0" encoding="utf-8"?>
+<p:sld xmlns:a="http://schemas.openxmlformats.org/drawingml/2006/main" xmlns:p="http://schemas.openxmlformats.org/presentationml/2006/main" xmlns:r="http://schemas.openxmlformats.org/officeDocument/2006/relationships">
+  <p:cSld>
+    <p:spTree>
+      <p:nvGrpSpPr>
+        <p:cNvPr id="1" name=""/>
+        <p:cNvGrpSpPr/>
+        <p:nvPr/>
+      </p:nvGrpSpPr>
+      <p:grpSpPr/>
+      <p:sp>
+        <p:nvSpPr>
+          <p:cNvPr id="2" name="TextBox 1"/>
+          <p:cNvSpPr txBox="1"/>
+          <p:nvPr/>
+        </p:nvSpPr>
+        <p:spPr>
+          <a:xfrm>
+            <a:off x="914400" y="914400"/>
+            <a:ext cx="914400" cy="914400"/>
+          </a:xfrm>
+          <a:prstGeom prst="rect">
+            <a:avLst/>
+          </a:prstGeom>
+          <a:noFill/>
+        </p:spPr>
+        <p:txBody>
+          <a:bodyPr wrap="none">
+            <a:spAutoFit/>
+          </a:bodyPr>
+          <a:lstStyle/>
+          <a:p>
+            <a:r>
+              <a:t>Python Code: </a:t>
+            </a:r>
+          </a:p>
+          <a:p>
+            <a:pPr>
+              <a:defRPr sz="1200"/>
+            </a:pPr>
+            <a:r>
+              <a:t>``` list4 = [5,3,4,6,1] ```</a:t>
+            </a:r>
+            <a:br/>
+          </a:p>
+        </p:txBody>
+      </p:sp>
+    </p:spTree>
+  </p:cSld>
+  <p:clrMapOvr>
+    <a:masterClrMapping/>
+  </p:clrMapOvr>
+</p:sld>
+</file>
+
+<file path=ppt/slides/slide233.xml><?xml version="1.0" encoding="utf-8"?>
+<p:sld xmlns:a="http://schemas.openxmlformats.org/drawingml/2006/main" xmlns:p="http://schemas.openxmlformats.org/presentationml/2006/main" xmlns:r="http://schemas.openxmlformats.org/officeDocument/2006/relationships">
+  <p:cSld>
+    <p:spTree>
+      <p:nvGrpSpPr>
+        <p:cNvPr id="1" name=""/>
+        <p:cNvGrpSpPr/>
+        <p:nvPr/>
+      </p:nvGrpSpPr>
+      <p:grpSpPr/>
+      <p:sp>
+        <p:nvSpPr>
+          <p:cNvPr id="2" name="TextBox 1"/>
+          <p:cNvSpPr txBox="1"/>
+          <p:nvPr/>
+        </p:nvSpPr>
+        <p:spPr>
+          <a:xfrm>
+            <a:off x="914400" y="914400"/>
+            <a:ext cx="914400" cy="914400"/>
+          </a:xfrm>
+          <a:prstGeom prst="rect">
+            <a:avLst/>
+          </a:prstGeom>
+          <a:noFill/>
+        </p:spPr>
+        <p:txBody>
+          <a:bodyPr wrap="none">
+            <a:spAutoFit/>
+          </a:bodyPr>
+          <a:lstStyle/>
+          <a:p>
+            <a:r>
+              <a:t>Python Code: </a:t>
+            </a:r>
+          </a:p>
+          <a:p>
+            <a:pPr>
+              <a:defRPr sz="1200"/>
+            </a:pPr>
+            <a:r>
+              <a:t>``` # Method 1:</a:t>
+            </a:r>
+            <a:br/>
+            <a:r>
+              <a:t> `````` sorted(list4) ```</a:t>
+            </a:r>
+            <a:br/>
+          </a:p>
+        </p:txBody>
+      </p:sp>
+    </p:spTree>
+  </p:cSld>
+  <p:clrMapOvr>
+    <a:masterClrMapping/>
+  </p:clrMapOvr>
+</p:sld>
+</file>
+
+<file path=ppt/slides/slide234.xml><?xml version="1.0" encoding="utf-8"?>
+<p:sld xmlns:a="http://schemas.openxmlformats.org/drawingml/2006/main" xmlns:p="http://schemas.openxmlformats.org/presentationml/2006/main" xmlns:r="http://schemas.openxmlformats.org/officeDocument/2006/relationships">
+  <p:cSld>
+    <p:spTree>
+      <p:nvGrpSpPr>
+        <p:cNvPr id="1" name=""/>
+        <p:cNvGrpSpPr/>
+        <p:nvPr/>
+      </p:nvGrpSpPr>
+      <p:grpSpPr/>
+      <p:sp>
+        <p:nvSpPr>
+          <p:cNvPr id="2" name="TextBox 1"/>
+          <p:cNvSpPr txBox="1"/>
+          <p:nvPr/>
+        </p:nvSpPr>
+        <p:spPr>
+          <a:xfrm>
+            <a:off x="914400" y="914400"/>
+            <a:ext cx="914400" cy="914400"/>
+          </a:xfrm>
+          <a:prstGeom prst="rect">
+            <a:avLst/>
+          </a:prstGeom>
+          <a:noFill/>
+        </p:spPr>
+        <p:txBody>
+          <a:bodyPr wrap="none">
+            <a:spAutoFit/>
+          </a:bodyPr>
+          <a:lstStyle/>
+          <a:p>
+            <a:r>
+              <a:t>Python Code: </a:t>
+            </a:r>
+          </a:p>
+          <a:p>
+            <a:pPr>
+              <a:defRPr sz="1200"/>
+            </a:pPr>
+            <a:r>
+              <a:t>``` # Method 2:</a:t>
+            </a:r>
+            <a:br/>
+            <a:r>
+              <a:t> `````` list4.sort()</a:t>
+            </a:r>
+            <a:br/>
+            <a:r>
+              <a:t> `````` list4 ```</a:t>
+            </a:r>
+            <a:br/>
+          </a:p>
+        </p:txBody>
+      </p:sp>
+    </p:spTree>
+  </p:cSld>
+  <p:clrMapOvr>
+    <a:masterClrMapping/>
+  </p:clrMapOvr>
+</p:sld>
+</file>
+
+<file path=ppt/slides/slide235.xml><?xml version="1.0" encoding="utf-8"?>
+<p:sld xmlns:a="http://schemas.openxmlformats.org/drawingml/2006/main" xmlns:p="http://schemas.openxmlformats.org/presentationml/2006/main" xmlns:r="http://schemas.openxmlformats.org/officeDocument/2006/relationships">
+  <p:cSld>
+    <p:spTree>
+      <p:nvGrpSpPr>
+        <p:cNvPr id="1" name=""/>
+        <p:cNvGrpSpPr/>
+        <p:nvPr/>
+      </p:nvGrpSpPr>
+      <p:grpSpPr/>
+      <p:sp>
+        <p:nvSpPr>
+          <p:cNvPr id="2" name="TextBox 1"/>
+          <p:cNvSpPr txBox="1"/>
+          <p:nvPr/>
+        </p:nvSpPr>
+        <p:spPr>
+          <a:xfrm>
+            <a:off x="914400" y="914400"/>
+            <a:ext cx="914400" cy="914400"/>
+          </a:xfrm>
+          <a:prstGeom prst="rect">
+            <a:avLst/>
+          </a:prstGeom>
+          <a:noFill/>
+        </p:spPr>
+        <p:txBody>
+          <a:bodyPr wrap="none">
+            <a:spAutoFit/>
+          </a:bodyPr>
+          <a:lstStyle/>
+          <a:p>
+            <a:r>
+              <a:t>Info:</a:t>
+            </a:r>
+          </a:p>
+          <a:p>
+            <a:pPr>
+              <a:defRPr sz="1200"/>
+            </a:pPr>
+            <a:r>
+              <a:t>## Dictionaries</a:t>
+            </a:r>
+            <a:br/>
+          </a:p>
+        </p:txBody>
+      </p:sp>
+    </p:spTree>
+  </p:cSld>
+  <p:clrMapOvr>
+    <a:masterClrMapping/>
+  </p:clrMapOvr>
+</p:sld>
+</file>
+
+<file path=ppt/slides/slide236.xml><?xml version="1.0" encoding="utf-8"?>
+<p:sld xmlns:a="http://schemas.openxmlformats.org/drawingml/2006/main" xmlns:p="http://schemas.openxmlformats.org/presentationml/2006/main" xmlns:r="http://schemas.openxmlformats.org/officeDocument/2006/relationships">
+  <p:cSld>
+    <p:spTree>
+      <p:nvGrpSpPr>
+        <p:cNvPr id="1" name=""/>
+        <p:cNvGrpSpPr/>
+        <p:nvPr/>
+      </p:nvGrpSpPr>
+      <p:grpSpPr/>
+      <p:sp>
+        <p:nvSpPr>
+          <p:cNvPr id="2" name="TextBox 1"/>
+          <p:cNvSpPr txBox="1"/>
+          <p:nvPr/>
+        </p:nvSpPr>
+        <p:spPr>
+          <a:xfrm>
+            <a:off x="914400" y="914400"/>
+            <a:ext cx="914400" cy="914400"/>
+          </a:xfrm>
+          <a:prstGeom prst="rect">
+            <a:avLst/>
+          </a:prstGeom>
+          <a:noFill/>
+        </p:spPr>
+        <p:txBody>
+          <a:bodyPr wrap="none">
+            <a:spAutoFit/>
+          </a:bodyPr>
+          <a:lstStyle/>
+          <a:p>
+            <a:r>
+              <a:t>Info:</a:t>
+            </a:r>
+          </a:p>
+          <a:p>
+            <a:pPr>
+              <a:defRPr sz="1200"/>
+            </a:pPr>
+            <a:r>
+              <a:t>Using keys and indexing, grab the 'hello' from the following dictionaries:</a:t>
+            </a:r>
+            <a:br/>
+          </a:p>
+        </p:txBody>
+      </p:sp>
+    </p:spTree>
+  </p:cSld>
+  <p:clrMapOvr>
+    <a:masterClrMapping/>
+  </p:clrMapOvr>
+</p:sld>
+</file>
+
+<file path=ppt/slides/slide237.xml><?xml version="1.0" encoding="utf-8"?>
+<p:sld xmlns:a="http://schemas.openxmlformats.org/drawingml/2006/main" xmlns:p="http://schemas.openxmlformats.org/presentationml/2006/main" xmlns:r="http://schemas.openxmlformats.org/officeDocument/2006/relationships">
+  <p:cSld>
+    <p:spTree>
+      <p:nvGrpSpPr>
+        <p:cNvPr id="1" name=""/>
+        <p:cNvGrpSpPr/>
+        <p:nvPr/>
+      </p:nvGrpSpPr>
+      <p:grpSpPr/>
+      <p:sp>
+        <p:nvSpPr>
+          <p:cNvPr id="2" name="TextBox 1"/>
+          <p:cNvSpPr txBox="1"/>
+          <p:nvPr/>
+        </p:nvSpPr>
+        <p:spPr>
+          <a:xfrm>
+            <a:off x="914400" y="914400"/>
+            <a:ext cx="914400" cy="914400"/>
+          </a:xfrm>
+          <a:prstGeom prst="rect">
+            <a:avLst/>
+          </a:prstGeom>
+          <a:noFill/>
+        </p:spPr>
+        <p:txBody>
+          <a:bodyPr wrap="none">
+            <a:spAutoFit/>
+          </a:bodyPr>
+          <a:lstStyle/>
+          <a:p>
+            <a:r>
+              <a:t>Python Code: </a:t>
+            </a:r>
+          </a:p>
+          <a:p>
+            <a:pPr>
+              <a:defRPr sz="1200"/>
+            </a:pPr>
+            <a:r>
+              <a:t>``` d = {'simple_key':'hello'}</a:t>
+            </a:r>
+            <a:br/>
+            <a:r>
+              <a:t> `````` # Grab 'hello'</a:t>
+            </a:r>
+            <a:br/>
+            <a:r>
+              <a:t> `````` </a:t>
+            </a:r>
+            <a:br/>
+            <a:r>
+              <a:t> `````` d['simple_key'] ```</a:t>
+            </a:r>
+            <a:br/>
+          </a:p>
+        </p:txBody>
+      </p:sp>
+    </p:spTree>
+  </p:cSld>
+  <p:clrMapOvr>
+    <a:masterClrMapping/>
+  </p:clrMapOvr>
+</p:sld>
+</file>
+
+<file path=ppt/slides/slide238.xml><?xml version="1.0" encoding="utf-8"?>
+<p:sld xmlns:a="http://schemas.openxmlformats.org/drawingml/2006/main" xmlns:p="http://schemas.openxmlformats.org/presentationml/2006/main" xmlns:r="http://schemas.openxmlformats.org/officeDocument/2006/relationships">
+  <p:cSld>
+    <p:spTree>
+      <p:nvGrpSpPr>
+        <p:cNvPr id="1" name=""/>
+        <p:cNvGrpSpPr/>
+        <p:nvPr/>
+      </p:nvGrpSpPr>
+      <p:grpSpPr/>
+      <p:sp>
+        <p:nvSpPr>
+          <p:cNvPr id="2" name="TextBox 1"/>
+          <p:cNvSpPr txBox="1"/>
+          <p:nvPr/>
+        </p:nvSpPr>
+        <p:spPr>
+          <a:xfrm>
+            <a:off x="914400" y="914400"/>
+            <a:ext cx="914400" cy="914400"/>
+          </a:xfrm>
+          <a:prstGeom prst="rect">
+            <a:avLst/>
+          </a:prstGeom>
+          <a:noFill/>
+        </p:spPr>
+        <p:txBody>
+          <a:bodyPr wrap="none">
+            <a:spAutoFit/>
+          </a:bodyPr>
+          <a:lstStyle/>
+          <a:p>
+            <a:r>
+              <a:t>Python Code: </a:t>
+            </a:r>
+          </a:p>
+          <a:p>
+            <a:pPr>
+              <a:defRPr sz="1200"/>
+            </a:pPr>
+            <a:r>
+              <a:t>``` d = {'k1':{'k2':'hello'}}</a:t>
+            </a:r>
+            <a:br/>
+            <a:r>
+              <a:t> `````` # Grab 'hello'</a:t>
+            </a:r>
+            <a:br/>
+            <a:r>
+              <a:t> `````` </a:t>
+            </a:r>
+            <a:br/>
+            <a:r>
+              <a:t> `````` d['k1']['k2'] ```</a:t>
+            </a:r>
+            <a:br/>
+          </a:p>
+        </p:txBody>
+      </p:sp>
+    </p:spTree>
+  </p:cSld>
+  <p:clrMapOvr>
+    <a:masterClrMapping/>
+  </p:clrMapOvr>
+</p:sld>
+</file>
+
+<file path=ppt/slides/slide239.xml><?xml version="1.0" encoding="utf-8"?>
+<p:sld xmlns:a="http://schemas.openxmlformats.org/drawingml/2006/main" xmlns:p="http://schemas.openxmlformats.org/presentationml/2006/main" xmlns:r="http://schemas.openxmlformats.org/officeDocument/2006/relationships">
+  <p:cSld>
+    <p:spTree>
+      <p:nvGrpSpPr>
+        <p:cNvPr id="1" name=""/>
+        <p:cNvGrpSpPr/>
+        <p:nvPr/>
+      </p:nvGrpSpPr>
+      <p:grpSpPr/>
+      <p:sp>
+        <p:nvSpPr>
+          <p:cNvPr id="2" name="TextBox 1"/>
+          <p:cNvSpPr txBox="1"/>
+          <p:nvPr/>
+        </p:nvSpPr>
+        <p:spPr>
+          <a:xfrm>
+            <a:off x="914400" y="914400"/>
+            <a:ext cx="914400" cy="914400"/>
+          </a:xfrm>
+          <a:prstGeom prst="rect">
+            <a:avLst/>
+          </a:prstGeom>
+          <a:noFill/>
+        </p:spPr>
+        <p:txBody>
+          <a:bodyPr wrap="none">
+            <a:spAutoFit/>
+          </a:bodyPr>
+          <a:lstStyle/>
+          <a:p>
+            <a:r>
+              <a:t>Python Code: </a:t>
+            </a:r>
+          </a:p>
+          <a:p>
+            <a:pPr>
+              <a:defRPr sz="1200"/>
+            </a:pPr>
+            <a:r>
+              <a:t>``` # Getting a little tricker</a:t>
+            </a:r>
+            <a:br/>
+            <a:r>
+              <a:t> `````` d = {'k1':[{'nest_key':['this is deep',['hello']]}]} ```</a:t>
+            </a:r>
+            <a:br/>
+          </a:p>
+        </p:txBody>
+      </p:sp>
+    </p:spTree>
+  </p:cSld>
+  <p:clrMapOvr>
+    <a:masterClrMapping/>
+  </p:clrMapOvr>
+</p:sld>
+</file>
+
 <file path=ppt/slides/slide24.xml><?xml version="1.0" encoding="utf-8"?>
 <p:sld xmlns:a="http://schemas.openxmlformats.org/drawingml/2006/main" xmlns:p="http://schemas.openxmlformats.org/presentationml/2006/main" xmlns:r="http://schemas.openxmlformats.org/officeDocument/2006/relationships">
   <p:cSld>
@@ -11395,6 +13822,568 @@
 </p:sld>
 </file>
 
+<file path=ppt/slides/slide240.xml><?xml version="1.0" encoding="utf-8"?>
+<p:sld xmlns:a="http://schemas.openxmlformats.org/drawingml/2006/main" xmlns:p="http://schemas.openxmlformats.org/presentationml/2006/main" xmlns:r="http://schemas.openxmlformats.org/officeDocument/2006/relationships">
+  <p:cSld>
+    <p:spTree>
+      <p:nvGrpSpPr>
+        <p:cNvPr id="1" name=""/>
+        <p:cNvGrpSpPr/>
+        <p:nvPr/>
+      </p:nvGrpSpPr>
+      <p:grpSpPr/>
+      <p:sp>
+        <p:nvSpPr>
+          <p:cNvPr id="2" name="TextBox 1"/>
+          <p:cNvSpPr txBox="1"/>
+          <p:nvPr/>
+        </p:nvSpPr>
+        <p:spPr>
+          <a:xfrm>
+            <a:off x="914400" y="914400"/>
+            <a:ext cx="914400" cy="914400"/>
+          </a:xfrm>
+          <a:prstGeom prst="rect">
+            <a:avLst/>
+          </a:prstGeom>
+          <a:noFill/>
+        </p:spPr>
+        <p:txBody>
+          <a:bodyPr wrap="none">
+            <a:spAutoFit/>
+          </a:bodyPr>
+          <a:lstStyle/>
+          <a:p>
+            <a:r>
+              <a:t>Python Code: </a:t>
+            </a:r>
+          </a:p>
+          <a:p>
+            <a:pPr>
+              <a:defRPr sz="1200"/>
+            </a:pPr>
+            <a:r>
+              <a:t>``` # This was harder than I expected...</a:t>
+            </a:r>
+            <a:br/>
+            <a:r>
+              <a:t> `````` d['k1'][0]['nest_key'][1][0] ```</a:t>
+            </a:r>
+            <a:br/>
+          </a:p>
+        </p:txBody>
+      </p:sp>
+    </p:spTree>
+  </p:cSld>
+  <p:clrMapOvr>
+    <a:masterClrMapping/>
+  </p:clrMapOvr>
+</p:sld>
+</file>
+
+<file path=ppt/slides/slide241.xml><?xml version="1.0" encoding="utf-8"?>
+<p:sld xmlns:a="http://schemas.openxmlformats.org/drawingml/2006/main" xmlns:p="http://schemas.openxmlformats.org/presentationml/2006/main" xmlns:r="http://schemas.openxmlformats.org/officeDocument/2006/relationships">
+  <p:cSld>
+    <p:spTree>
+      <p:nvGrpSpPr>
+        <p:cNvPr id="1" name=""/>
+        <p:cNvGrpSpPr/>
+        <p:nvPr/>
+      </p:nvGrpSpPr>
+      <p:grpSpPr/>
+      <p:sp>
+        <p:nvSpPr>
+          <p:cNvPr id="2" name="TextBox 1"/>
+          <p:cNvSpPr txBox="1"/>
+          <p:nvPr/>
+        </p:nvSpPr>
+        <p:spPr>
+          <a:xfrm>
+            <a:off x="914400" y="914400"/>
+            <a:ext cx="914400" cy="914400"/>
+          </a:xfrm>
+          <a:prstGeom prst="rect">
+            <a:avLst/>
+          </a:prstGeom>
+          <a:noFill/>
+        </p:spPr>
+        <p:txBody>
+          <a:bodyPr wrap="none">
+            <a:spAutoFit/>
+          </a:bodyPr>
+          <a:lstStyle/>
+          <a:p>
+            <a:r>
+              <a:t>Python Code: </a:t>
+            </a:r>
+          </a:p>
+          <a:p>
+            <a:pPr>
+              <a:defRPr sz="1200"/>
+            </a:pPr>
+            <a:r>
+              <a:t>``` # This will be hard and annoying!</a:t>
+            </a:r>
+            <a:br/>
+            <a:r>
+              <a:t> `````` d = {'k1':[1,2,{'k2':['this is tricky',{'tough':[1,2,['hello']]}]}]} ```</a:t>
+            </a:r>
+            <a:br/>
+          </a:p>
+        </p:txBody>
+      </p:sp>
+    </p:spTree>
+  </p:cSld>
+  <p:clrMapOvr>
+    <a:masterClrMapping/>
+  </p:clrMapOvr>
+</p:sld>
+</file>
+
+<file path=ppt/slides/slide242.xml><?xml version="1.0" encoding="utf-8"?>
+<p:sld xmlns:a="http://schemas.openxmlformats.org/drawingml/2006/main" xmlns:p="http://schemas.openxmlformats.org/presentationml/2006/main" xmlns:r="http://schemas.openxmlformats.org/officeDocument/2006/relationships">
+  <p:cSld>
+    <p:spTree>
+      <p:nvGrpSpPr>
+        <p:cNvPr id="1" name=""/>
+        <p:cNvGrpSpPr/>
+        <p:nvPr/>
+      </p:nvGrpSpPr>
+      <p:grpSpPr/>
+      <p:sp>
+        <p:nvSpPr>
+          <p:cNvPr id="2" name="TextBox 1"/>
+          <p:cNvSpPr txBox="1"/>
+          <p:nvPr/>
+        </p:nvSpPr>
+        <p:spPr>
+          <a:xfrm>
+            <a:off x="914400" y="914400"/>
+            <a:ext cx="914400" cy="914400"/>
+          </a:xfrm>
+          <a:prstGeom prst="rect">
+            <a:avLst/>
+          </a:prstGeom>
+          <a:noFill/>
+        </p:spPr>
+        <p:txBody>
+          <a:bodyPr wrap="none">
+            <a:spAutoFit/>
+          </a:bodyPr>
+          <a:lstStyle/>
+          <a:p>
+            <a:r>
+              <a:t>Python Code: </a:t>
+            </a:r>
+          </a:p>
+          <a:p>
+            <a:pPr>
+              <a:defRPr sz="1200"/>
+            </a:pPr>
+            <a:r>
+              <a:t>``` # Phew!</a:t>
+            </a:r>
+            <a:br/>
+            <a:r>
+              <a:t> `````` d['k1'][2]['k2'][1]['tough'][2][0] ```</a:t>
+            </a:r>
+            <a:br/>
+          </a:p>
+        </p:txBody>
+      </p:sp>
+    </p:spTree>
+  </p:cSld>
+  <p:clrMapOvr>
+    <a:masterClrMapping/>
+  </p:clrMapOvr>
+</p:sld>
+</file>
+
+<file path=ppt/slides/slide243.xml><?xml version="1.0" encoding="utf-8"?>
+<p:sld xmlns:a="http://schemas.openxmlformats.org/drawingml/2006/main" xmlns:p="http://schemas.openxmlformats.org/presentationml/2006/main" xmlns:r="http://schemas.openxmlformats.org/officeDocument/2006/relationships">
+  <p:cSld>
+    <p:spTree>
+      <p:nvGrpSpPr>
+        <p:cNvPr id="1" name=""/>
+        <p:cNvGrpSpPr/>
+        <p:nvPr/>
+      </p:nvGrpSpPr>
+      <p:grpSpPr/>
+      <p:sp>
+        <p:nvSpPr>
+          <p:cNvPr id="2" name="TextBox 1"/>
+          <p:cNvSpPr txBox="1"/>
+          <p:nvPr/>
+        </p:nvSpPr>
+        <p:spPr>
+          <a:xfrm>
+            <a:off x="914400" y="914400"/>
+            <a:ext cx="914400" cy="914400"/>
+          </a:xfrm>
+          <a:prstGeom prst="rect">
+            <a:avLst/>
+          </a:prstGeom>
+          <a:noFill/>
+        </p:spPr>
+        <p:txBody>
+          <a:bodyPr wrap="none">
+            <a:spAutoFit/>
+          </a:bodyPr>
+          <a:lstStyle/>
+          <a:p>
+            <a:r>
+              <a:t>Info:</a:t>
+            </a:r>
+          </a:p>
+          <a:p>
+            <a:pPr>
+              <a:defRPr sz="1200"/>
+            </a:pPr>
+            <a:r>
+              <a:t>Can you sort a dictionary? Why or why not?</a:t>
+            </a:r>
+            <a:br/>
+          </a:p>
+        </p:txBody>
+      </p:sp>
+    </p:spTree>
+  </p:cSld>
+  <p:clrMapOvr>
+    <a:masterClrMapping/>
+  </p:clrMapOvr>
+</p:sld>
+</file>
+
+<file path=ppt/slides/slide244.xml><?xml version="1.0" encoding="utf-8"?>
+<p:sld xmlns:a="http://schemas.openxmlformats.org/drawingml/2006/main" xmlns:p="http://schemas.openxmlformats.org/presentationml/2006/main" xmlns:r="http://schemas.openxmlformats.org/officeDocument/2006/relationships">
+  <p:cSld>
+    <p:spTree>
+      <p:nvGrpSpPr>
+        <p:cNvPr id="1" name=""/>
+        <p:cNvGrpSpPr/>
+        <p:nvPr/>
+      </p:nvGrpSpPr>
+      <p:grpSpPr/>
+      <p:sp>
+        <p:nvSpPr>
+          <p:cNvPr id="2" name="TextBox 1"/>
+          <p:cNvSpPr txBox="1"/>
+          <p:nvPr/>
+        </p:nvSpPr>
+        <p:spPr>
+          <a:xfrm>
+            <a:off x="914400" y="914400"/>
+            <a:ext cx="914400" cy="914400"/>
+          </a:xfrm>
+          <a:prstGeom prst="rect">
+            <a:avLst/>
+          </a:prstGeom>
+          <a:noFill/>
+        </p:spPr>
+        <p:txBody>
+          <a:bodyPr wrap="none">
+            <a:spAutoFit/>
+          </a:bodyPr>
+          <a:lstStyle/>
+          <a:p>
+            <a:r>
+              <a:t>Info:</a:t>
+            </a:r>
+          </a:p>
+          <a:p>
+            <a:pPr>
+              <a:defRPr sz="1200"/>
+            </a:pPr>
+            <a:r>
+              <a:t>**Answer: No! Because normal dictionaries are *mappings* not a sequence. **</a:t>
+            </a:r>
+            <a:br/>
+          </a:p>
+        </p:txBody>
+      </p:sp>
+    </p:spTree>
+  </p:cSld>
+  <p:clrMapOvr>
+    <a:masterClrMapping/>
+  </p:clrMapOvr>
+</p:sld>
+</file>
+
+<file path=ppt/slides/slide245.xml><?xml version="1.0" encoding="utf-8"?>
+<p:sld xmlns:a="http://schemas.openxmlformats.org/drawingml/2006/main" xmlns:p="http://schemas.openxmlformats.org/presentationml/2006/main" xmlns:r="http://schemas.openxmlformats.org/officeDocument/2006/relationships">
+  <p:cSld>
+    <p:spTree>
+      <p:nvGrpSpPr>
+        <p:cNvPr id="1" name=""/>
+        <p:cNvGrpSpPr/>
+        <p:nvPr/>
+      </p:nvGrpSpPr>
+      <p:grpSpPr/>
+      <p:sp>
+        <p:nvSpPr>
+          <p:cNvPr id="2" name="TextBox 1"/>
+          <p:cNvSpPr txBox="1"/>
+          <p:nvPr/>
+        </p:nvSpPr>
+        <p:spPr>
+          <a:xfrm>
+            <a:off x="914400" y="914400"/>
+            <a:ext cx="914400" cy="914400"/>
+          </a:xfrm>
+          <a:prstGeom prst="rect">
+            <a:avLst/>
+          </a:prstGeom>
+          <a:noFill/>
+        </p:spPr>
+        <p:txBody>
+          <a:bodyPr wrap="none">
+            <a:spAutoFit/>
+          </a:bodyPr>
+          <a:lstStyle/>
+          <a:p>
+            <a:r>
+              <a:t>Info:</a:t>
+            </a:r>
+          </a:p>
+          <a:p>
+            <a:pPr>
+              <a:defRPr sz="1200"/>
+            </a:pPr>
+            <a:r>
+              <a:t>## Tuples</a:t>
+            </a:r>
+            <a:br/>
+          </a:p>
+        </p:txBody>
+      </p:sp>
+    </p:spTree>
+  </p:cSld>
+  <p:clrMapOvr>
+    <a:masterClrMapping/>
+  </p:clrMapOvr>
+</p:sld>
+</file>
+
+<file path=ppt/slides/slide246.xml><?xml version="1.0" encoding="utf-8"?>
+<p:sld xmlns:a="http://schemas.openxmlformats.org/drawingml/2006/main" xmlns:p="http://schemas.openxmlformats.org/presentationml/2006/main" xmlns:r="http://schemas.openxmlformats.org/officeDocument/2006/relationships">
+  <p:cSld>
+    <p:spTree>
+      <p:nvGrpSpPr>
+        <p:cNvPr id="1" name=""/>
+        <p:cNvGrpSpPr/>
+        <p:nvPr/>
+      </p:nvGrpSpPr>
+      <p:grpSpPr/>
+      <p:sp>
+        <p:nvSpPr>
+          <p:cNvPr id="2" name="TextBox 1"/>
+          <p:cNvSpPr txBox="1"/>
+          <p:nvPr/>
+        </p:nvSpPr>
+        <p:spPr>
+          <a:xfrm>
+            <a:off x="914400" y="914400"/>
+            <a:ext cx="914400" cy="914400"/>
+          </a:xfrm>
+          <a:prstGeom prst="rect">
+            <a:avLst/>
+          </a:prstGeom>
+          <a:noFill/>
+        </p:spPr>
+        <p:txBody>
+          <a:bodyPr wrap="none">
+            <a:spAutoFit/>
+          </a:bodyPr>
+          <a:lstStyle/>
+          <a:p>
+            <a:r>
+              <a:t>Info:</a:t>
+            </a:r>
+          </a:p>
+          <a:p>
+            <a:pPr>
+              <a:defRPr sz="1200"/>
+            </a:pPr>
+            <a:r>
+              <a:t>What is the major difference between tuples and lists?</a:t>
+            </a:r>
+            <a:br/>
+          </a:p>
+        </p:txBody>
+      </p:sp>
+    </p:spTree>
+  </p:cSld>
+  <p:clrMapOvr>
+    <a:masterClrMapping/>
+  </p:clrMapOvr>
+</p:sld>
+</file>
+
+<file path=ppt/slides/slide247.xml><?xml version="1.0" encoding="utf-8"?>
+<p:sld xmlns:a="http://schemas.openxmlformats.org/drawingml/2006/main" xmlns:p="http://schemas.openxmlformats.org/presentationml/2006/main" xmlns:r="http://schemas.openxmlformats.org/officeDocument/2006/relationships">
+  <p:cSld>
+    <p:spTree>
+      <p:nvGrpSpPr>
+        <p:cNvPr id="1" name=""/>
+        <p:cNvGrpSpPr/>
+        <p:nvPr/>
+      </p:nvGrpSpPr>
+      <p:grpSpPr/>
+      <p:sp>
+        <p:nvSpPr>
+          <p:cNvPr id="2" name="TextBox 1"/>
+          <p:cNvSpPr txBox="1"/>
+          <p:nvPr/>
+        </p:nvSpPr>
+        <p:spPr>
+          <a:xfrm>
+            <a:off x="914400" y="914400"/>
+            <a:ext cx="914400" cy="914400"/>
+          </a:xfrm>
+          <a:prstGeom prst="rect">
+            <a:avLst/>
+          </a:prstGeom>
+          <a:noFill/>
+        </p:spPr>
+        <p:txBody>
+          <a:bodyPr wrap="none">
+            <a:spAutoFit/>
+          </a:bodyPr>
+          <a:lstStyle/>
+          <a:p>
+            <a:r>
+              <a:t>Info:</a:t>
+            </a:r>
+          </a:p>
+          <a:p>
+            <a:pPr>
+              <a:defRPr sz="1200"/>
+            </a:pPr>
+            <a:r>
+              <a:t>**Tuples are immutable!**</a:t>
+            </a:r>
+            <a:br/>
+          </a:p>
+        </p:txBody>
+      </p:sp>
+    </p:spTree>
+  </p:cSld>
+  <p:clrMapOvr>
+    <a:masterClrMapping/>
+  </p:clrMapOvr>
+</p:sld>
+</file>
+
+<file path=ppt/slides/slide248.xml><?xml version="1.0" encoding="utf-8"?>
+<p:sld xmlns:a="http://schemas.openxmlformats.org/drawingml/2006/main" xmlns:p="http://schemas.openxmlformats.org/presentationml/2006/main" xmlns:r="http://schemas.openxmlformats.org/officeDocument/2006/relationships">
+  <p:cSld>
+    <p:spTree>
+      <p:nvGrpSpPr>
+        <p:cNvPr id="1" name=""/>
+        <p:cNvGrpSpPr/>
+        <p:nvPr/>
+      </p:nvGrpSpPr>
+      <p:grpSpPr/>
+      <p:sp>
+        <p:nvSpPr>
+          <p:cNvPr id="2" name="TextBox 1"/>
+          <p:cNvSpPr txBox="1"/>
+          <p:nvPr/>
+        </p:nvSpPr>
+        <p:spPr>
+          <a:xfrm>
+            <a:off x="914400" y="914400"/>
+            <a:ext cx="914400" cy="914400"/>
+          </a:xfrm>
+          <a:prstGeom prst="rect">
+            <a:avLst/>
+          </a:prstGeom>
+          <a:noFill/>
+        </p:spPr>
+        <p:txBody>
+          <a:bodyPr wrap="none">
+            <a:spAutoFit/>
+          </a:bodyPr>
+          <a:lstStyle/>
+          <a:p>
+            <a:r>
+              <a:t>Info:</a:t>
+            </a:r>
+          </a:p>
+          <a:p>
+            <a:pPr>
+              <a:defRPr sz="1200"/>
+            </a:pPr>
+            <a:r>
+              <a:t>How do you create a tuple?</a:t>
+            </a:r>
+            <a:br/>
+          </a:p>
+        </p:txBody>
+      </p:sp>
+    </p:spTree>
+  </p:cSld>
+  <p:clrMapOvr>
+    <a:masterClrMapping/>
+  </p:clrMapOvr>
+</p:sld>
+</file>
+
+<file path=ppt/slides/slide249.xml><?xml version="1.0" encoding="utf-8"?>
+<p:sld xmlns:a="http://schemas.openxmlformats.org/drawingml/2006/main" xmlns:p="http://schemas.openxmlformats.org/presentationml/2006/main" xmlns:r="http://schemas.openxmlformats.org/officeDocument/2006/relationships">
+  <p:cSld>
+    <p:spTree>
+      <p:nvGrpSpPr>
+        <p:cNvPr id="1" name=""/>
+        <p:cNvGrpSpPr/>
+        <p:nvPr/>
+      </p:nvGrpSpPr>
+      <p:grpSpPr/>
+      <p:sp>
+        <p:nvSpPr>
+          <p:cNvPr id="2" name="TextBox 1"/>
+          <p:cNvSpPr txBox="1"/>
+          <p:nvPr/>
+        </p:nvSpPr>
+        <p:spPr>
+          <a:xfrm>
+            <a:off x="914400" y="914400"/>
+            <a:ext cx="914400" cy="914400"/>
+          </a:xfrm>
+          <a:prstGeom prst="rect">
+            <a:avLst/>
+          </a:prstGeom>
+          <a:noFill/>
+        </p:spPr>
+        <p:txBody>
+          <a:bodyPr wrap="none">
+            <a:spAutoFit/>
+          </a:bodyPr>
+          <a:lstStyle/>
+          <a:p>
+            <a:r>
+              <a:t>Python Code: </a:t>
+            </a:r>
+          </a:p>
+          <a:p>
+            <a:pPr>
+              <a:defRPr sz="1200"/>
+            </a:pPr>
+            <a:r>
+              <a:t>``` t = (1,2,3) ```</a:t>
+            </a:r>
+            <a:br/>
+          </a:p>
+        </p:txBody>
+      </p:sp>
+    </p:spTree>
+  </p:cSld>
+  <p:clrMapOvr>
+    <a:masterClrMapping/>
+  </p:clrMapOvr>
+</p:sld>
+</file>
+
 <file path=ppt/slides/slide25.xml><?xml version="1.0" encoding="utf-8"?>
 <p:sld xmlns:a="http://schemas.openxmlformats.org/drawingml/2006/main" xmlns:p="http://schemas.openxmlformats.org/presentationml/2006/main" xmlns:r="http://schemas.openxmlformats.org/officeDocument/2006/relationships">
   <p:cSld>
@@ -11461,6 +14450,701 @@
 </p:sld>
 </file>
 
+<file path=ppt/slides/slide250.xml><?xml version="1.0" encoding="utf-8"?>
+<p:sld xmlns:a="http://schemas.openxmlformats.org/drawingml/2006/main" xmlns:p="http://schemas.openxmlformats.org/presentationml/2006/main" xmlns:r="http://schemas.openxmlformats.org/officeDocument/2006/relationships">
+  <p:cSld>
+    <p:spTree>
+      <p:nvGrpSpPr>
+        <p:cNvPr id="1" name=""/>
+        <p:cNvGrpSpPr/>
+        <p:nvPr/>
+      </p:nvGrpSpPr>
+      <p:grpSpPr/>
+      <p:sp>
+        <p:nvSpPr>
+          <p:cNvPr id="2" name="TextBox 1"/>
+          <p:cNvSpPr txBox="1"/>
+          <p:nvPr/>
+        </p:nvSpPr>
+        <p:spPr>
+          <a:xfrm>
+            <a:off x="914400" y="914400"/>
+            <a:ext cx="914400" cy="914400"/>
+          </a:xfrm>
+          <a:prstGeom prst="rect">
+            <a:avLst/>
+          </a:prstGeom>
+          <a:noFill/>
+        </p:spPr>
+        <p:txBody>
+          <a:bodyPr wrap="none">
+            <a:spAutoFit/>
+          </a:bodyPr>
+          <a:lstStyle/>
+          <a:p>
+            <a:r>
+              <a:t>Info:</a:t>
+            </a:r>
+          </a:p>
+          <a:p>
+            <a:pPr>
+              <a:defRPr sz="1200"/>
+            </a:pPr>
+            <a:r>
+              <a:t>## Sets </a:t>
+            </a:r>
+            <a:br/>
+          </a:p>
+        </p:txBody>
+      </p:sp>
+    </p:spTree>
+  </p:cSld>
+  <p:clrMapOvr>
+    <a:masterClrMapping/>
+  </p:clrMapOvr>
+</p:sld>
+</file>
+
+<file path=ppt/slides/slide251.xml><?xml version="1.0" encoding="utf-8"?>
+<p:sld xmlns:a="http://schemas.openxmlformats.org/drawingml/2006/main" xmlns:p="http://schemas.openxmlformats.org/presentationml/2006/main" xmlns:r="http://schemas.openxmlformats.org/officeDocument/2006/relationships">
+  <p:cSld>
+    <p:spTree>
+      <p:nvGrpSpPr>
+        <p:cNvPr id="1" name=""/>
+        <p:cNvGrpSpPr/>
+        <p:nvPr/>
+      </p:nvGrpSpPr>
+      <p:grpSpPr/>
+      <p:sp>
+        <p:nvSpPr>
+          <p:cNvPr id="2" name="TextBox 1"/>
+          <p:cNvSpPr txBox="1"/>
+          <p:nvPr/>
+        </p:nvSpPr>
+        <p:spPr>
+          <a:xfrm>
+            <a:off x="914400" y="914400"/>
+            <a:ext cx="914400" cy="914400"/>
+          </a:xfrm>
+          <a:prstGeom prst="rect">
+            <a:avLst/>
+          </a:prstGeom>
+          <a:noFill/>
+        </p:spPr>
+        <p:txBody>
+          <a:bodyPr wrap="none">
+            <a:spAutoFit/>
+          </a:bodyPr>
+          <a:lstStyle/>
+          <a:p>
+            <a:r>
+              <a:t>Info:</a:t>
+            </a:r>
+          </a:p>
+          <a:p>
+            <a:pPr>
+              <a:defRPr sz="1200"/>
+            </a:pPr>
+            <a:r>
+              <a:t>What is unique about a set?</a:t>
+            </a:r>
+            <a:br/>
+          </a:p>
+        </p:txBody>
+      </p:sp>
+    </p:spTree>
+  </p:cSld>
+  <p:clrMapOvr>
+    <a:masterClrMapping/>
+  </p:clrMapOvr>
+</p:sld>
+</file>
+
+<file path=ppt/slides/slide252.xml><?xml version="1.0" encoding="utf-8"?>
+<p:sld xmlns:a="http://schemas.openxmlformats.org/drawingml/2006/main" xmlns:p="http://schemas.openxmlformats.org/presentationml/2006/main" xmlns:r="http://schemas.openxmlformats.org/officeDocument/2006/relationships">
+  <p:cSld>
+    <p:spTree>
+      <p:nvGrpSpPr>
+        <p:cNvPr id="1" name=""/>
+        <p:cNvGrpSpPr/>
+        <p:nvPr/>
+      </p:nvGrpSpPr>
+      <p:grpSpPr/>
+      <p:sp>
+        <p:nvSpPr>
+          <p:cNvPr id="2" name="TextBox 1"/>
+          <p:cNvSpPr txBox="1"/>
+          <p:nvPr/>
+        </p:nvSpPr>
+        <p:spPr>
+          <a:xfrm>
+            <a:off x="914400" y="914400"/>
+            <a:ext cx="914400" cy="914400"/>
+          </a:xfrm>
+          <a:prstGeom prst="rect">
+            <a:avLst/>
+          </a:prstGeom>
+          <a:noFill/>
+        </p:spPr>
+        <p:txBody>
+          <a:bodyPr wrap="none">
+            <a:spAutoFit/>
+          </a:bodyPr>
+          <a:lstStyle/>
+          <a:p>
+            <a:r>
+              <a:t>Info:</a:t>
+            </a:r>
+          </a:p>
+          <a:p>
+            <a:pPr>
+              <a:defRPr sz="1200"/>
+            </a:pPr>
+            <a:r>
+              <a:t>**Answer: They don't allow for duplicate items!**</a:t>
+            </a:r>
+            <a:br/>
+          </a:p>
+        </p:txBody>
+      </p:sp>
+    </p:spTree>
+  </p:cSld>
+  <p:clrMapOvr>
+    <a:masterClrMapping/>
+  </p:clrMapOvr>
+</p:sld>
+</file>
+
+<file path=ppt/slides/slide253.xml><?xml version="1.0" encoding="utf-8"?>
+<p:sld xmlns:a="http://schemas.openxmlformats.org/drawingml/2006/main" xmlns:p="http://schemas.openxmlformats.org/presentationml/2006/main" xmlns:r="http://schemas.openxmlformats.org/officeDocument/2006/relationships">
+  <p:cSld>
+    <p:spTree>
+      <p:nvGrpSpPr>
+        <p:cNvPr id="1" name=""/>
+        <p:cNvGrpSpPr/>
+        <p:nvPr/>
+      </p:nvGrpSpPr>
+      <p:grpSpPr/>
+      <p:sp>
+        <p:nvSpPr>
+          <p:cNvPr id="2" name="TextBox 1"/>
+          <p:cNvSpPr txBox="1"/>
+          <p:nvPr/>
+        </p:nvSpPr>
+        <p:spPr>
+          <a:xfrm>
+            <a:off x="914400" y="914400"/>
+            <a:ext cx="914400" cy="914400"/>
+          </a:xfrm>
+          <a:prstGeom prst="rect">
+            <a:avLst/>
+          </a:prstGeom>
+          <a:noFill/>
+        </p:spPr>
+        <p:txBody>
+          <a:bodyPr wrap="none">
+            <a:spAutoFit/>
+          </a:bodyPr>
+          <a:lstStyle/>
+          <a:p>
+            <a:r>
+              <a:t>Info:</a:t>
+            </a:r>
+          </a:p>
+          <a:p>
+            <a:pPr>
+              <a:defRPr sz="1200"/>
+            </a:pPr>
+            <a:r>
+              <a:t>Use a set to find the unique values of the list below:</a:t>
+            </a:r>
+            <a:br/>
+          </a:p>
+        </p:txBody>
+      </p:sp>
+    </p:spTree>
+  </p:cSld>
+  <p:clrMapOvr>
+    <a:masterClrMapping/>
+  </p:clrMapOvr>
+</p:sld>
+</file>
+
+<file path=ppt/slides/slide254.xml><?xml version="1.0" encoding="utf-8"?>
+<p:sld xmlns:a="http://schemas.openxmlformats.org/drawingml/2006/main" xmlns:p="http://schemas.openxmlformats.org/presentationml/2006/main" xmlns:r="http://schemas.openxmlformats.org/officeDocument/2006/relationships">
+  <p:cSld>
+    <p:spTree>
+      <p:nvGrpSpPr>
+        <p:cNvPr id="1" name=""/>
+        <p:cNvGrpSpPr/>
+        <p:nvPr/>
+      </p:nvGrpSpPr>
+      <p:grpSpPr/>
+      <p:sp>
+        <p:nvSpPr>
+          <p:cNvPr id="2" name="TextBox 1"/>
+          <p:cNvSpPr txBox="1"/>
+          <p:nvPr/>
+        </p:nvSpPr>
+        <p:spPr>
+          <a:xfrm>
+            <a:off x="914400" y="914400"/>
+            <a:ext cx="914400" cy="914400"/>
+          </a:xfrm>
+          <a:prstGeom prst="rect">
+            <a:avLst/>
+          </a:prstGeom>
+          <a:noFill/>
+        </p:spPr>
+        <p:txBody>
+          <a:bodyPr wrap="none">
+            <a:spAutoFit/>
+          </a:bodyPr>
+          <a:lstStyle/>
+          <a:p>
+            <a:r>
+              <a:t>Python Code: </a:t>
+            </a:r>
+          </a:p>
+          <a:p>
+            <a:pPr>
+              <a:defRPr sz="1200"/>
+            </a:pPr>
+            <a:r>
+              <a:t>``` list5 = [1,2,2,33,4,4,11,22,3,3,2] ```</a:t>
+            </a:r>
+            <a:br/>
+          </a:p>
+        </p:txBody>
+      </p:sp>
+    </p:spTree>
+  </p:cSld>
+  <p:clrMapOvr>
+    <a:masterClrMapping/>
+  </p:clrMapOvr>
+</p:sld>
+</file>
+
+<file path=ppt/slides/slide255.xml><?xml version="1.0" encoding="utf-8"?>
+<p:sld xmlns:a="http://schemas.openxmlformats.org/drawingml/2006/main" xmlns:p="http://schemas.openxmlformats.org/presentationml/2006/main" xmlns:r="http://schemas.openxmlformats.org/officeDocument/2006/relationships">
+  <p:cSld>
+    <p:spTree>
+      <p:nvGrpSpPr>
+        <p:cNvPr id="1" name=""/>
+        <p:cNvGrpSpPr/>
+        <p:nvPr/>
+      </p:nvGrpSpPr>
+      <p:grpSpPr/>
+      <p:sp>
+        <p:nvSpPr>
+          <p:cNvPr id="2" name="TextBox 1"/>
+          <p:cNvSpPr txBox="1"/>
+          <p:nvPr/>
+        </p:nvSpPr>
+        <p:spPr>
+          <a:xfrm>
+            <a:off x="914400" y="914400"/>
+            <a:ext cx="914400" cy="914400"/>
+          </a:xfrm>
+          <a:prstGeom prst="rect">
+            <a:avLst/>
+          </a:prstGeom>
+          <a:noFill/>
+        </p:spPr>
+        <p:txBody>
+          <a:bodyPr wrap="none">
+            <a:spAutoFit/>
+          </a:bodyPr>
+          <a:lstStyle/>
+          <a:p>
+            <a:r>
+              <a:t>Python Code: </a:t>
+            </a:r>
+          </a:p>
+          <a:p>
+            <a:pPr>
+              <a:defRPr sz="1200"/>
+            </a:pPr>
+            <a:r>
+              <a:t>``` set(list5) ```</a:t>
+            </a:r>
+            <a:br/>
+          </a:p>
+        </p:txBody>
+      </p:sp>
+    </p:spTree>
+  </p:cSld>
+  <p:clrMapOvr>
+    <a:masterClrMapping/>
+  </p:clrMapOvr>
+</p:sld>
+</file>
+
+<file path=ppt/slides/slide256.xml><?xml version="1.0" encoding="utf-8"?>
+<p:sld xmlns:a="http://schemas.openxmlformats.org/drawingml/2006/main" xmlns:p="http://schemas.openxmlformats.org/presentationml/2006/main" xmlns:r="http://schemas.openxmlformats.org/officeDocument/2006/relationships">
+  <p:cSld>
+    <p:spTree>
+      <p:nvGrpSpPr>
+        <p:cNvPr id="1" name=""/>
+        <p:cNvGrpSpPr/>
+        <p:nvPr/>
+      </p:nvGrpSpPr>
+      <p:grpSpPr/>
+      <p:sp>
+        <p:nvSpPr>
+          <p:cNvPr id="2" name="TextBox 1"/>
+          <p:cNvSpPr txBox="1"/>
+          <p:nvPr/>
+        </p:nvSpPr>
+        <p:spPr>
+          <a:xfrm>
+            <a:off x="914400" y="914400"/>
+            <a:ext cx="914400" cy="914400"/>
+          </a:xfrm>
+          <a:prstGeom prst="rect">
+            <a:avLst/>
+          </a:prstGeom>
+          <a:noFill/>
+        </p:spPr>
+        <p:txBody>
+          <a:bodyPr wrap="none">
+            <a:spAutoFit/>
+          </a:bodyPr>
+          <a:lstStyle/>
+          <a:p>
+            <a:r>
+              <a:t>Info:</a:t>
+            </a:r>
+          </a:p>
+          <a:p>
+            <a:pPr>
+              <a:defRPr sz="1200"/>
+            </a:pPr>
+            <a:r>
+              <a:t>## Booleans</a:t>
+            </a:r>
+            <a:br/>
+          </a:p>
+        </p:txBody>
+      </p:sp>
+    </p:spTree>
+  </p:cSld>
+  <p:clrMapOvr>
+    <a:masterClrMapping/>
+  </p:clrMapOvr>
+</p:sld>
+</file>
+
+<file path=ppt/slides/slide257.xml><?xml version="1.0" encoding="utf-8"?>
+<p:sld xmlns:a="http://schemas.openxmlformats.org/drawingml/2006/main" xmlns:p="http://schemas.openxmlformats.org/presentationml/2006/main" xmlns:r="http://schemas.openxmlformats.org/officeDocument/2006/relationships">
+  <p:cSld>
+    <p:spTree>
+      <p:nvGrpSpPr>
+        <p:cNvPr id="1" name=""/>
+        <p:cNvGrpSpPr/>
+        <p:nvPr/>
+      </p:nvGrpSpPr>
+      <p:grpSpPr/>
+      <p:sp>
+        <p:nvSpPr>
+          <p:cNvPr id="2" name="TextBox 1"/>
+          <p:cNvSpPr txBox="1"/>
+          <p:nvPr/>
+        </p:nvSpPr>
+        <p:spPr>
+          <a:xfrm>
+            <a:off x="914400" y="914400"/>
+            <a:ext cx="914400" cy="914400"/>
+          </a:xfrm>
+          <a:prstGeom prst="rect">
+            <a:avLst/>
+          </a:prstGeom>
+          <a:noFill/>
+        </p:spPr>
+        <p:txBody>
+          <a:bodyPr wrap="none">
+            <a:spAutoFit/>
+          </a:bodyPr>
+          <a:lstStyle/>
+          <a:p>
+            <a:r>
+              <a:t>Info:</a:t>
+            </a:r>
+          </a:p>
+          <a:p>
+            <a:pPr>
+              <a:defRPr sz="1200"/>
+            </a:pPr>
+            <a:r>
+              <a:t>For the following quiz questions, we will get a preview of comparison operators. In the table below, a=3 and b=4.</a:t>
+            </a:r>
+            <a:br/>
+            <a:br/>
+            <a:r>
+              <a:t>&lt;table class="table table-bordered"&gt;</a:t>
+            </a:r>
+            <a:br/>
+            <a:r>
+              <a:t>&lt;tr&gt;</a:t>
+            </a:r>
+            <a:br/>
+            <a:r>
+              <a:t>&lt;th style="width:10%"&gt;Operator&lt;/th&gt;&lt;th style="width:45%"&gt;Description&lt;/th&gt;&lt;th&gt;Example&lt;/th&gt;</a:t>
+            </a:r>
+            <a:br/>
+            <a:r>
+              <a:t>&lt;/tr&gt;</a:t>
+            </a:r>
+            <a:br/>
+            <a:r>
+              <a:t>&lt;tr&gt;</a:t>
+            </a:r>
+            <a:br/>
+            <a:r>
+              <a:t>&lt;td&gt;==&lt;/td&gt;</a:t>
+            </a:r>
+            <a:br/>
+            <a:r>
+              <a:t>&lt;td&gt;If the values of two operands are equal, then the condition becomes true.&lt;/td&gt;</a:t>
+            </a:r>
+            <a:br/>
+            <a:r>
+              <a:t>&lt;td&gt; (a == b) is not true.&lt;/td&gt;</a:t>
+            </a:r>
+            <a:br/>
+            <a:r>
+              <a:t>&lt;/tr&gt;</a:t>
+            </a:r>
+            <a:br/>
+            <a:r>
+              <a:t>&lt;tr&gt;</a:t>
+            </a:r>
+            <a:br/>
+            <a:r>
+              <a:t>&lt;td&gt;!=&lt;/td&gt;</a:t>
+            </a:r>
+            <a:br/>
+            <a:r>
+              <a:t>&lt;td&gt;If values of two operands are not equal, then condition becomes true.&lt;/td&gt;</a:t>
+            </a:r>
+            <a:br/>
+            <a:r>
+              <a:t>&lt;td&gt; (a != b) is true.&lt;/td&gt;</a:t>
+            </a:r>
+            <a:br/>
+            <a:r>
+              <a:t>&lt;/tr&gt;</a:t>
+            </a:r>
+            <a:br/>
+            <a:r>
+              <a:t>&lt;tr&gt;</a:t>
+            </a:r>
+            <a:br/>
+            <a:r>
+              <a:t>&lt;td&gt;&amp;gt;&lt;/td&gt;</a:t>
+            </a:r>
+            <a:br/>
+            <a:r>
+              <a:t>&lt;td&gt;If the value of left operand is greater than the value of right operand, then condition becomes true.&lt;/td&gt;</a:t>
+            </a:r>
+            <a:br/>
+            <a:r>
+              <a:t>&lt;td&gt; (a &amp;gt; b) is not true.&lt;/td&gt;</a:t>
+            </a:r>
+            <a:br/>
+            <a:r>
+              <a:t>&lt;/tr&gt;</a:t>
+            </a:r>
+            <a:br/>
+            <a:r>
+              <a:t>&lt;tr&gt;</a:t>
+            </a:r>
+            <a:br/>
+            <a:r>
+              <a:t>&lt;td&gt;&amp;lt;&lt;/td&gt;</a:t>
+            </a:r>
+            <a:br/>
+            <a:r>
+              <a:t>&lt;td&gt;If the value of left operand is less than the value of right operand, then condition becomes true.&lt;/td&gt;</a:t>
+            </a:r>
+            <a:br/>
+            <a:r>
+              <a:t>&lt;td&gt; (a &amp;lt; b) is true.&lt;/td&gt;</a:t>
+            </a:r>
+            <a:br/>
+            <a:r>
+              <a:t>&lt;/tr&gt;</a:t>
+            </a:r>
+            <a:br/>
+            <a:r>
+              <a:t>&lt;tr&gt;</a:t>
+            </a:r>
+            <a:br/>
+            <a:r>
+              <a:t>&lt;td&gt;&amp;gt;=&lt;/td&gt;</a:t>
+            </a:r>
+            <a:br/>
+            <a:r>
+              <a:t>&lt;td&gt;If the value of left operand is greater than or equal to the value of right operand, then condition becomes true.&lt;/td&gt;</a:t>
+            </a:r>
+            <a:br/>
+            <a:r>
+              <a:t>&lt;td&gt; (a &amp;gt;= b) is not true. &lt;/td&gt;</a:t>
+            </a:r>
+            <a:br/>
+            <a:r>
+              <a:t>&lt;/tr&gt;</a:t>
+            </a:r>
+            <a:br/>
+            <a:r>
+              <a:t>&lt;tr&gt;</a:t>
+            </a:r>
+            <a:br/>
+            <a:r>
+              <a:t>&lt;td&gt;&amp;lt;=&lt;/td&gt;</a:t>
+            </a:r>
+            <a:br/>
+            <a:r>
+              <a:t>&lt;td&gt;If the value of left operand is less than or equal to the value of right operand, then condition becomes true.&lt;/td&gt;</a:t>
+            </a:r>
+            <a:br/>
+            <a:r>
+              <a:t>&lt;td&gt; (a &amp;lt;= b) is true. &lt;/td&gt;</a:t>
+            </a:r>
+            <a:br/>
+            <a:r>
+              <a:t>&lt;/tr&gt;</a:t>
+            </a:r>
+            <a:br/>
+            <a:r>
+              <a:t>&lt;/table&gt;</a:t>
+            </a:r>
+            <a:br/>
+          </a:p>
+        </p:txBody>
+      </p:sp>
+    </p:spTree>
+  </p:cSld>
+  <p:clrMapOvr>
+    <a:masterClrMapping/>
+  </p:clrMapOvr>
+</p:sld>
+</file>
+
+<file path=ppt/slides/slide258.xml><?xml version="1.0" encoding="utf-8"?>
+<p:sld xmlns:a="http://schemas.openxmlformats.org/drawingml/2006/main" xmlns:p="http://schemas.openxmlformats.org/presentationml/2006/main" xmlns:r="http://schemas.openxmlformats.org/officeDocument/2006/relationships">
+  <p:cSld>
+    <p:spTree>
+      <p:nvGrpSpPr>
+        <p:cNvPr id="1" name=""/>
+        <p:cNvGrpSpPr/>
+        <p:nvPr/>
+      </p:nvGrpSpPr>
+      <p:grpSpPr/>
+      <p:sp>
+        <p:nvSpPr>
+          <p:cNvPr id="2" name="TextBox 1"/>
+          <p:cNvSpPr txBox="1"/>
+          <p:nvPr/>
+        </p:nvSpPr>
+        <p:spPr>
+          <a:xfrm>
+            <a:off x="914400" y="914400"/>
+            <a:ext cx="914400" cy="914400"/>
+          </a:xfrm>
+          <a:prstGeom prst="rect">
+            <a:avLst/>
+          </a:prstGeom>
+          <a:noFill/>
+        </p:spPr>
+        <p:txBody>
+          <a:bodyPr wrap="none">
+            <a:spAutoFit/>
+          </a:bodyPr>
+          <a:lstStyle/>
+          <a:p>
+            <a:r>
+              <a:t>Info:</a:t>
+            </a:r>
+          </a:p>
+          <a:p>
+            <a:pPr>
+              <a:defRPr sz="1200"/>
+            </a:pPr>
+            <a:r>
+              <a:t>What will be the resulting Boolean of the following pieces of code (answer fist then check by typing it in!)</a:t>
+            </a:r>
+            <a:br/>
+          </a:p>
+        </p:txBody>
+      </p:sp>
+    </p:spTree>
+  </p:cSld>
+  <p:clrMapOvr>
+    <a:masterClrMapping/>
+  </p:clrMapOvr>
+</p:sld>
+</file>
+
+<file path=ppt/slides/slide259.xml><?xml version="1.0" encoding="utf-8"?>
+<p:sld xmlns:a="http://schemas.openxmlformats.org/drawingml/2006/main" xmlns:p="http://schemas.openxmlformats.org/presentationml/2006/main" xmlns:r="http://schemas.openxmlformats.org/officeDocument/2006/relationships">
+  <p:cSld>
+    <p:spTree>
+      <p:nvGrpSpPr>
+        <p:cNvPr id="1" name=""/>
+        <p:cNvGrpSpPr/>
+        <p:nvPr/>
+      </p:nvGrpSpPr>
+      <p:grpSpPr/>
+      <p:sp>
+        <p:nvSpPr>
+          <p:cNvPr id="2" name="TextBox 1"/>
+          <p:cNvSpPr txBox="1"/>
+          <p:nvPr/>
+        </p:nvSpPr>
+        <p:spPr>
+          <a:xfrm>
+            <a:off x="914400" y="914400"/>
+            <a:ext cx="914400" cy="914400"/>
+          </a:xfrm>
+          <a:prstGeom prst="rect">
+            <a:avLst/>
+          </a:prstGeom>
+          <a:noFill/>
+        </p:spPr>
+        <p:txBody>
+          <a:bodyPr wrap="none">
+            <a:spAutoFit/>
+          </a:bodyPr>
+          <a:lstStyle/>
+          <a:p>
+            <a:r>
+              <a:t>Python Code: </a:t>
+            </a:r>
+          </a:p>
+          <a:p>
+            <a:pPr>
+              <a:defRPr sz="1200"/>
+            </a:pPr>
+            <a:r>
+              <a:t>``` # Answer before running cell</a:t>
+            </a:r>
+            <a:br/>
+            <a:r>
+              <a:t> `````` 2 &gt; 3 ```</a:t>
+            </a:r>
+            <a:br/>
+          </a:p>
+        </p:txBody>
+      </p:sp>
+    </p:spTree>
+  </p:cSld>
+  <p:clrMapOvr>
+    <a:masterClrMapping/>
+  </p:clrMapOvr>
+</p:sld>
+</file>
+
 <file path=ppt/slides/slide26.xml><?xml version="1.0" encoding="utf-8"?>
 <p:sld xmlns:a="http://schemas.openxmlformats.org/drawingml/2006/main" xmlns:p="http://schemas.openxmlformats.org/presentationml/2006/main" xmlns:r="http://schemas.openxmlformats.org/officeDocument/2006/relationships">
   <p:cSld>
@@ -11522,6 +15206,427 @@
             </a:r>
           </a:p>
           <a:p/>
+        </p:txBody>
+      </p:sp>
+    </p:spTree>
+  </p:cSld>
+  <p:clrMapOvr>
+    <a:masterClrMapping/>
+  </p:clrMapOvr>
+</p:sld>
+</file>
+
+<file path=ppt/slides/slide260.xml><?xml version="1.0" encoding="utf-8"?>
+<p:sld xmlns:a="http://schemas.openxmlformats.org/drawingml/2006/main" xmlns:p="http://schemas.openxmlformats.org/presentationml/2006/main" xmlns:r="http://schemas.openxmlformats.org/officeDocument/2006/relationships">
+  <p:cSld>
+    <p:spTree>
+      <p:nvGrpSpPr>
+        <p:cNvPr id="1" name=""/>
+        <p:cNvGrpSpPr/>
+        <p:nvPr/>
+      </p:nvGrpSpPr>
+      <p:grpSpPr/>
+      <p:sp>
+        <p:nvSpPr>
+          <p:cNvPr id="2" name="TextBox 1"/>
+          <p:cNvSpPr txBox="1"/>
+          <p:nvPr/>
+        </p:nvSpPr>
+        <p:spPr>
+          <a:xfrm>
+            <a:off x="914400" y="914400"/>
+            <a:ext cx="914400" cy="914400"/>
+          </a:xfrm>
+          <a:prstGeom prst="rect">
+            <a:avLst/>
+          </a:prstGeom>
+          <a:noFill/>
+        </p:spPr>
+        <p:txBody>
+          <a:bodyPr wrap="none">
+            <a:spAutoFit/>
+          </a:bodyPr>
+          <a:lstStyle/>
+          <a:p>
+            <a:r>
+              <a:t>Python Code: </a:t>
+            </a:r>
+          </a:p>
+          <a:p>
+            <a:pPr>
+              <a:defRPr sz="1200"/>
+            </a:pPr>
+            <a:r>
+              <a:t>``` # Answer before running cell</a:t>
+            </a:r>
+            <a:br/>
+            <a:r>
+              <a:t> `````` 3 &lt;= 2 ```</a:t>
+            </a:r>
+            <a:br/>
+          </a:p>
+        </p:txBody>
+      </p:sp>
+    </p:spTree>
+  </p:cSld>
+  <p:clrMapOvr>
+    <a:masterClrMapping/>
+  </p:clrMapOvr>
+</p:sld>
+</file>
+
+<file path=ppt/slides/slide261.xml><?xml version="1.0" encoding="utf-8"?>
+<p:sld xmlns:a="http://schemas.openxmlformats.org/drawingml/2006/main" xmlns:p="http://schemas.openxmlformats.org/presentationml/2006/main" xmlns:r="http://schemas.openxmlformats.org/officeDocument/2006/relationships">
+  <p:cSld>
+    <p:spTree>
+      <p:nvGrpSpPr>
+        <p:cNvPr id="1" name=""/>
+        <p:cNvGrpSpPr/>
+        <p:nvPr/>
+      </p:nvGrpSpPr>
+      <p:grpSpPr/>
+      <p:sp>
+        <p:nvSpPr>
+          <p:cNvPr id="2" name="TextBox 1"/>
+          <p:cNvSpPr txBox="1"/>
+          <p:nvPr/>
+        </p:nvSpPr>
+        <p:spPr>
+          <a:xfrm>
+            <a:off x="914400" y="914400"/>
+            <a:ext cx="914400" cy="914400"/>
+          </a:xfrm>
+          <a:prstGeom prst="rect">
+            <a:avLst/>
+          </a:prstGeom>
+          <a:noFill/>
+        </p:spPr>
+        <p:txBody>
+          <a:bodyPr wrap="none">
+            <a:spAutoFit/>
+          </a:bodyPr>
+          <a:lstStyle/>
+          <a:p>
+            <a:r>
+              <a:t>Python Code: </a:t>
+            </a:r>
+          </a:p>
+          <a:p>
+            <a:pPr>
+              <a:defRPr sz="1200"/>
+            </a:pPr>
+            <a:r>
+              <a:t>``` # Answer before running cell</a:t>
+            </a:r>
+            <a:br/>
+            <a:r>
+              <a:t> `````` 3 == 2.0 ```</a:t>
+            </a:r>
+            <a:br/>
+          </a:p>
+        </p:txBody>
+      </p:sp>
+    </p:spTree>
+  </p:cSld>
+  <p:clrMapOvr>
+    <a:masterClrMapping/>
+  </p:clrMapOvr>
+</p:sld>
+</file>
+
+<file path=ppt/slides/slide262.xml><?xml version="1.0" encoding="utf-8"?>
+<p:sld xmlns:a="http://schemas.openxmlformats.org/drawingml/2006/main" xmlns:p="http://schemas.openxmlformats.org/presentationml/2006/main" xmlns:r="http://schemas.openxmlformats.org/officeDocument/2006/relationships">
+  <p:cSld>
+    <p:spTree>
+      <p:nvGrpSpPr>
+        <p:cNvPr id="1" name=""/>
+        <p:cNvGrpSpPr/>
+        <p:nvPr/>
+      </p:nvGrpSpPr>
+      <p:grpSpPr/>
+      <p:sp>
+        <p:nvSpPr>
+          <p:cNvPr id="2" name="TextBox 1"/>
+          <p:cNvSpPr txBox="1"/>
+          <p:nvPr/>
+        </p:nvSpPr>
+        <p:spPr>
+          <a:xfrm>
+            <a:off x="914400" y="914400"/>
+            <a:ext cx="914400" cy="914400"/>
+          </a:xfrm>
+          <a:prstGeom prst="rect">
+            <a:avLst/>
+          </a:prstGeom>
+          <a:noFill/>
+        </p:spPr>
+        <p:txBody>
+          <a:bodyPr wrap="none">
+            <a:spAutoFit/>
+          </a:bodyPr>
+          <a:lstStyle/>
+          <a:p>
+            <a:r>
+              <a:t>Python Code: </a:t>
+            </a:r>
+          </a:p>
+          <a:p>
+            <a:pPr>
+              <a:defRPr sz="1200"/>
+            </a:pPr>
+            <a:r>
+              <a:t>``` # Answer before running cell</a:t>
+            </a:r>
+            <a:br/>
+            <a:r>
+              <a:t> `````` 3.0 == 3 ```</a:t>
+            </a:r>
+            <a:br/>
+          </a:p>
+        </p:txBody>
+      </p:sp>
+    </p:spTree>
+  </p:cSld>
+  <p:clrMapOvr>
+    <a:masterClrMapping/>
+  </p:clrMapOvr>
+</p:sld>
+</file>
+
+<file path=ppt/slides/slide263.xml><?xml version="1.0" encoding="utf-8"?>
+<p:sld xmlns:a="http://schemas.openxmlformats.org/drawingml/2006/main" xmlns:p="http://schemas.openxmlformats.org/presentationml/2006/main" xmlns:r="http://schemas.openxmlformats.org/officeDocument/2006/relationships">
+  <p:cSld>
+    <p:spTree>
+      <p:nvGrpSpPr>
+        <p:cNvPr id="1" name=""/>
+        <p:cNvGrpSpPr/>
+        <p:nvPr/>
+      </p:nvGrpSpPr>
+      <p:grpSpPr/>
+      <p:sp>
+        <p:nvSpPr>
+          <p:cNvPr id="2" name="TextBox 1"/>
+          <p:cNvSpPr txBox="1"/>
+          <p:nvPr/>
+        </p:nvSpPr>
+        <p:spPr>
+          <a:xfrm>
+            <a:off x="914400" y="914400"/>
+            <a:ext cx="914400" cy="914400"/>
+          </a:xfrm>
+          <a:prstGeom prst="rect">
+            <a:avLst/>
+          </a:prstGeom>
+          <a:noFill/>
+        </p:spPr>
+        <p:txBody>
+          <a:bodyPr wrap="none">
+            <a:spAutoFit/>
+          </a:bodyPr>
+          <a:lstStyle/>
+          <a:p>
+            <a:r>
+              <a:t>Python Code: </a:t>
+            </a:r>
+          </a:p>
+          <a:p>
+            <a:pPr>
+              <a:defRPr sz="1200"/>
+            </a:pPr>
+            <a:r>
+              <a:t>``` # Answer before running cell</a:t>
+            </a:r>
+            <a:br/>
+            <a:r>
+              <a:t> `````` 4**0.5 != 2 ```</a:t>
+            </a:r>
+            <a:br/>
+          </a:p>
+        </p:txBody>
+      </p:sp>
+    </p:spTree>
+  </p:cSld>
+  <p:clrMapOvr>
+    <a:masterClrMapping/>
+  </p:clrMapOvr>
+</p:sld>
+</file>
+
+<file path=ppt/slides/slide264.xml><?xml version="1.0" encoding="utf-8"?>
+<p:sld xmlns:a="http://schemas.openxmlformats.org/drawingml/2006/main" xmlns:p="http://schemas.openxmlformats.org/presentationml/2006/main" xmlns:r="http://schemas.openxmlformats.org/officeDocument/2006/relationships">
+  <p:cSld>
+    <p:spTree>
+      <p:nvGrpSpPr>
+        <p:cNvPr id="1" name=""/>
+        <p:cNvGrpSpPr/>
+        <p:nvPr/>
+      </p:nvGrpSpPr>
+      <p:grpSpPr/>
+      <p:sp>
+        <p:nvSpPr>
+          <p:cNvPr id="2" name="TextBox 1"/>
+          <p:cNvSpPr txBox="1"/>
+          <p:nvPr/>
+        </p:nvSpPr>
+        <p:spPr>
+          <a:xfrm>
+            <a:off x="914400" y="914400"/>
+            <a:ext cx="914400" cy="914400"/>
+          </a:xfrm>
+          <a:prstGeom prst="rect">
+            <a:avLst/>
+          </a:prstGeom>
+          <a:noFill/>
+        </p:spPr>
+        <p:txBody>
+          <a:bodyPr wrap="none">
+            <a:spAutoFit/>
+          </a:bodyPr>
+          <a:lstStyle/>
+          <a:p>
+            <a:r>
+              <a:t>Info:</a:t>
+            </a:r>
+          </a:p>
+          <a:p>
+            <a:pPr>
+              <a:defRPr sz="1200"/>
+            </a:pPr>
+            <a:r>
+              <a:t>Final Question: What is the boolean output of the cell block below?</a:t>
+            </a:r>
+            <a:br/>
+          </a:p>
+        </p:txBody>
+      </p:sp>
+    </p:spTree>
+  </p:cSld>
+  <p:clrMapOvr>
+    <a:masterClrMapping/>
+  </p:clrMapOvr>
+</p:sld>
+</file>
+
+<file path=ppt/slides/slide265.xml><?xml version="1.0" encoding="utf-8"?>
+<p:sld xmlns:a="http://schemas.openxmlformats.org/drawingml/2006/main" xmlns:p="http://schemas.openxmlformats.org/presentationml/2006/main" xmlns:r="http://schemas.openxmlformats.org/officeDocument/2006/relationships">
+  <p:cSld>
+    <p:spTree>
+      <p:nvGrpSpPr>
+        <p:cNvPr id="1" name=""/>
+        <p:cNvGrpSpPr/>
+        <p:nvPr/>
+      </p:nvGrpSpPr>
+      <p:grpSpPr/>
+      <p:sp>
+        <p:nvSpPr>
+          <p:cNvPr id="2" name="TextBox 1"/>
+          <p:cNvSpPr txBox="1"/>
+          <p:nvPr/>
+        </p:nvSpPr>
+        <p:spPr>
+          <a:xfrm>
+            <a:off x="914400" y="914400"/>
+            <a:ext cx="914400" cy="914400"/>
+          </a:xfrm>
+          <a:prstGeom prst="rect">
+            <a:avLst/>
+          </a:prstGeom>
+          <a:noFill/>
+        </p:spPr>
+        <p:txBody>
+          <a:bodyPr wrap="none">
+            <a:spAutoFit/>
+          </a:bodyPr>
+          <a:lstStyle/>
+          <a:p>
+            <a:r>
+              <a:t>Python Code: </a:t>
+            </a:r>
+          </a:p>
+          <a:p>
+            <a:pPr>
+              <a:defRPr sz="1200"/>
+            </a:pPr>
+            <a:r>
+              <a:t>``` # two nested lists</a:t>
+            </a:r>
+            <a:br/>
+            <a:r>
+              <a:t> `````` l_one = [1,2,[3,4]]</a:t>
+            </a:r>
+            <a:br/>
+            <a:r>
+              <a:t> `````` l_two = [1,2,{'k1':4}]</a:t>
+            </a:r>
+            <a:br/>
+            <a:r>
+              <a:t> `````` </a:t>
+            </a:r>
+            <a:br/>
+            <a:r>
+              <a:t> `````` # True or False?</a:t>
+            </a:r>
+            <a:br/>
+            <a:r>
+              <a:t> `````` l_one[2][0] &gt;= l_two[2]['k1'] ```</a:t>
+            </a:r>
+            <a:br/>
+          </a:p>
+        </p:txBody>
+      </p:sp>
+    </p:spTree>
+  </p:cSld>
+  <p:clrMapOvr>
+    <a:masterClrMapping/>
+  </p:clrMapOvr>
+</p:sld>
+</file>
+
+<file path=ppt/slides/slide266.xml><?xml version="1.0" encoding="utf-8"?>
+<p:sld xmlns:a="http://schemas.openxmlformats.org/drawingml/2006/main" xmlns:p="http://schemas.openxmlformats.org/presentationml/2006/main" xmlns:r="http://schemas.openxmlformats.org/officeDocument/2006/relationships">
+  <p:cSld>
+    <p:spTree>
+      <p:nvGrpSpPr>
+        <p:cNvPr id="1" name=""/>
+        <p:cNvGrpSpPr/>
+        <p:nvPr/>
+      </p:nvGrpSpPr>
+      <p:grpSpPr/>
+      <p:sp>
+        <p:nvSpPr>
+          <p:cNvPr id="2" name="TextBox 1"/>
+          <p:cNvSpPr txBox="1"/>
+          <p:nvPr/>
+        </p:nvSpPr>
+        <p:spPr>
+          <a:xfrm>
+            <a:off x="914400" y="914400"/>
+            <a:ext cx="914400" cy="914400"/>
+          </a:xfrm>
+          <a:prstGeom prst="rect">
+            <a:avLst/>
+          </a:prstGeom>
+          <a:noFill/>
+        </p:spPr>
+        <p:txBody>
+          <a:bodyPr wrap="none">
+            <a:spAutoFit/>
+          </a:bodyPr>
+          <a:lstStyle/>
+          <a:p>
+            <a:r>
+              <a:t>Info:</a:t>
+            </a:r>
+          </a:p>
+          <a:p>
+            <a:pPr>
+              <a:defRPr sz="1200"/>
+            </a:pPr>
+            <a:r>
+              <a:t>## Great Job on your first assessment! </a:t>
+            </a:r>
+            <a:br/>
+          </a:p>
         </p:txBody>
       </p:sp>
     </p:spTree>
